--- a/Training/git-github-workflow-training.pptx
+++ b/Training/git-github-workflow-training.pptx
@@ -6,23 +6,24 @@
     <p:sldMasterId id="2147483672" r:id="rId5"/>
   </p:sldMasterIdLst>
   <p:notesMasterIdLst>
-    <p:notesMasterId r:id="rId20"/>
+    <p:notesMasterId r:id="rId21"/>
   </p:notesMasterIdLst>
   <p:sldIdLst>
     <p:sldId id="256" r:id="rId6"/>
-    <p:sldId id="265" r:id="rId7"/>
-    <p:sldId id="311" r:id="rId8"/>
-    <p:sldId id="289" r:id="rId9"/>
-    <p:sldId id="267" r:id="rId10"/>
-    <p:sldId id="260" r:id="rId11"/>
-    <p:sldId id="308" r:id="rId12"/>
-    <p:sldId id="299" r:id="rId13"/>
-    <p:sldId id="304" r:id="rId14"/>
-    <p:sldId id="280" r:id="rId15"/>
-    <p:sldId id="302" r:id="rId16"/>
-    <p:sldId id="270" r:id="rId17"/>
-    <p:sldId id="309" r:id="rId18"/>
-    <p:sldId id="310" r:id="rId19"/>
+    <p:sldId id="312" r:id="rId7"/>
+    <p:sldId id="265" r:id="rId8"/>
+    <p:sldId id="311" r:id="rId9"/>
+    <p:sldId id="289" r:id="rId10"/>
+    <p:sldId id="267" r:id="rId11"/>
+    <p:sldId id="260" r:id="rId12"/>
+    <p:sldId id="308" r:id="rId13"/>
+    <p:sldId id="299" r:id="rId14"/>
+    <p:sldId id="304" r:id="rId15"/>
+    <p:sldId id="280" r:id="rId16"/>
+    <p:sldId id="302" r:id="rId17"/>
+    <p:sldId id="270" r:id="rId18"/>
+    <p:sldId id="309" r:id="rId19"/>
+    <p:sldId id="310" r:id="rId20"/>
   </p:sldIdLst>
   <p:sldSz cx="12192000" cy="6858000"/>
   <p:notesSz cx="7010400" cy="9296400"/>
@@ -222,7 +223,7 @@
           <a:p>
             <a:fld id="{5B57F4E2-04AA-4970-B8C5-074FFF893E51}" type="datetimeFigureOut">
               <a:rPr lang="en-US" smtClean="0"/>
-              <a:t>6/16/2016</a:t>
+              <a:t>6/28/2016</a:t>
             </a:fld>
             <a:endParaRPr lang="en-US"/>
           </a:p>
@@ -618,7 +619,7 @@
           <a:p>
             <a:fld id="{00B0BDD1-F3F2-4AB7-BBFB-08C51CBA57B7}" type="datetime1">
               <a:rPr lang="en-US" smtClean="0"/>
-              <a:t>6/16/2016</a:t>
+              <a:t>6/28/2016</a:t>
             </a:fld>
             <a:endParaRPr lang="en-US"/>
           </a:p>
@@ -786,7 +787,7 @@
           <a:p>
             <a:fld id="{46BE53BB-B33E-45D9-9133-56B2FDC16CEE}" type="datetime1">
               <a:rPr lang="en-US" smtClean="0"/>
-              <a:t>6/16/2016</a:t>
+              <a:t>6/28/2016</a:t>
             </a:fld>
             <a:endParaRPr lang="en-US"/>
           </a:p>
@@ -964,7 +965,7 @@
           <a:p>
             <a:fld id="{E59FC588-C292-4154-A9EE-3A768A255F0F}" type="datetime1">
               <a:rPr lang="en-US" smtClean="0"/>
-              <a:t>6/16/2016</a:t>
+              <a:t>6/28/2016</a:t>
             </a:fld>
             <a:endParaRPr lang="en-US"/>
           </a:p>
@@ -1154,7 +1155,7 @@
           <a:p>
             <a:fld id="{00B0BDD1-F3F2-4AB7-BBFB-08C51CBA57B7}" type="datetime1">
               <a:rPr lang="en-US" smtClean="0"/>
-              <a:t>6/16/2016</a:t>
+              <a:t>6/28/2016</a:t>
             </a:fld>
             <a:endParaRPr lang="en-US"/>
           </a:p>
@@ -1322,7 +1323,7 @@
           <a:p>
             <a:fld id="{9CBFEA0D-A4BD-484A-A97F-09726C84111B}" type="datetime1">
               <a:rPr lang="en-US" smtClean="0"/>
-              <a:t>6/16/2016</a:t>
+              <a:t>6/28/2016</a:t>
             </a:fld>
             <a:endParaRPr lang="en-US"/>
           </a:p>
@@ -1567,7 +1568,7 @@
           <a:p>
             <a:fld id="{F8C3B2CC-146A-4FB7-9315-7C5A0188CCA7}" type="datetime1">
               <a:rPr lang="en-US" smtClean="0"/>
-              <a:t>6/16/2016</a:t>
+              <a:t>6/28/2016</a:t>
             </a:fld>
             <a:endParaRPr lang="en-US"/>
           </a:p>
@@ -1796,7 +1797,7 @@
           <a:p>
             <a:fld id="{5CE5B52F-65E4-4292-A4FF-27DE86454280}" type="datetime1">
               <a:rPr lang="en-US" smtClean="0"/>
-              <a:t>6/16/2016</a:t>
+              <a:t>6/28/2016</a:t>
             </a:fld>
             <a:endParaRPr lang="en-US"/>
           </a:p>
@@ -2160,7 +2161,7 @@
           <a:p>
             <a:fld id="{A67297C7-432B-494C-8F95-36E54C627ABE}" type="datetime1">
               <a:rPr lang="en-US" smtClean="0"/>
-              <a:t>6/16/2016</a:t>
+              <a:t>6/28/2016</a:t>
             </a:fld>
             <a:endParaRPr lang="en-US"/>
           </a:p>
@@ -2277,7 +2278,7 @@
           <a:p>
             <a:fld id="{087D1111-421C-40D7-B63B-F78F9A785BDB}" type="datetime1">
               <a:rPr lang="en-US" smtClean="0"/>
-              <a:t>6/16/2016</a:t>
+              <a:t>6/28/2016</a:t>
             </a:fld>
             <a:endParaRPr lang="en-US"/>
           </a:p>
@@ -2372,7 +2373,7 @@
           <a:p>
             <a:fld id="{480075E8-AE1D-4B36-80F2-2618B413D0A8}" type="datetime1">
               <a:rPr lang="en-US" smtClean="0"/>
-              <a:t>6/16/2016</a:t>
+              <a:t>6/28/2016</a:t>
             </a:fld>
             <a:endParaRPr lang="en-US"/>
           </a:p>
@@ -2647,7 +2648,7 @@
           <a:p>
             <a:fld id="{ED77ADDF-4D57-4835-82BD-C265E7E775F2}" type="datetime1">
               <a:rPr lang="en-US" smtClean="0"/>
-              <a:t>6/16/2016</a:t>
+              <a:t>6/28/2016</a:t>
             </a:fld>
             <a:endParaRPr lang="en-US"/>
           </a:p>
@@ -2815,7 +2816,7 @@
           <a:p>
             <a:fld id="{9CBFEA0D-A4BD-484A-A97F-09726C84111B}" type="datetime1">
               <a:rPr lang="en-US" smtClean="0"/>
-              <a:t>6/16/2016</a:t>
+              <a:t>6/28/2016</a:t>
             </a:fld>
             <a:endParaRPr lang="en-US"/>
           </a:p>
@@ -3067,7 +3068,7 @@
           <a:p>
             <a:fld id="{8AFD0C0A-1AE2-4136-8C03-104D64C1DF93}" type="datetime1">
               <a:rPr lang="en-US" smtClean="0"/>
-              <a:t>6/16/2016</a:t>
+              <a:t>6/28/2016</a:t>
             </a:fld>
             <a:endParaRPr lang="en-US"/>
           </a:p>
@@ -3235,7 +3236,7 @@
           <a:p>
             <a:fld id="{46BE53BB-B33E-45D9-9133-56B2FDC16CEE}" type="datetime1">
               <a:rPr lang="en-US" smtClean="0"/>
-              <a:t>6/16/2016</a:t>
+              <a:t>6/28/2016</a:t>
             </a:fld>
             <a:endParaRPr lang="en-US"/>
           </a:p>
@@ -3413,7 +3414,7 @@
           <a:p>
             <a:fld id="{E59FC588-C292-4154-A9EE-3A768A255F0F}" type="datetime1">
               <a:rPr lang="en-US" smtClean="0"/>
-              <a:t>6/16/2016</a:t>
+              <a:t>6/28/2016</a:t>
             </a:fld>
             <a:endParaRPr lang="en-US"/>
           </a:p>
@@ -3658,7 +3659,7 @@
           <a:p>
             <a:fld id="{F8C3B2CC-146A-4FB7-9315-7C5A0188CCA7}" type="datetime1">
               <a:rPr lang="en-US" smtClean="0"/>
-              <a:t>6/16/2016</a:t>
+              <a:t>6/28/2016</a:t>
             </a:fld>
             <a:endParaRPr lang="en-US"/>
           </a:p>
@@ -3887,7 +3888,7 @@
           <a:p>
             <a:fld id="{5CE5B52F-65E4-4292-A4FF-27DE86454280}" type="datetime1">
               <a:rPr lang="en-US" smtClean="0"/>
-              <a:t>6/16/2016</a:t>
+              <a:t>6/28/2016</a:t>
             </a:fld>
             <a:endParaRPr lang="en-US"/>
           </a:p>
@@ -4251,7 +4252,7 @@
           <a:p>
             <a:fld id="{A67297C7-432B-494C-8F95-36E54C627ABE}" type="datetime1">
               <a:rPr lang="en-US" smtClean="0"/>
-              <a:t>6/16/2016</a:t>
+              <a:t>6/28/2016</a:t>
             </a:fld>
             <a:endParaRPr lang="en-US"/>
           </a:p>
@@ -4368,7 +4369,7 @@
           <a:p>
             <a:fld id="{087D1111-421C-40D7-B63B-F78F9A785BDB}" type="datetime1">
               <a:rPr lang="en-US" smtClean="0"/>
-              <a:t>6/16/2016</a:t>
+              <a:t>6/28/2016</a:t>
             </a:fld>
             <a:endParaRPr lang="en-US"/>
           </a:p>
@@ -4463,7 +4464,7 @@
           <a:p>
             <a:fld id="{480075E8-AE1D-4B36-80F2-2618B413D0A8}" type="datetime1">
               <a:rPr lang="en-US" smtClean="0"/>
-              <a:t>6/16/2016</a:t>
+              <a:t>6/28/2016</a:t>
             </a:fld>
             <a:endParaRPr lang="en-US"/>
           </a:p>
@@ -4738,7 +4739,7 @@
           <a:p>
             <a:fld id="{ED77ADDF-4D57-4835-82BD-C265E7E775F2}" type="datetime1">
               <a:rPr lang="en-US" smtClean="0"/>
-              <a:t>6/16/2016</a:t>
+              <a:t>6/28/2016</a:t>
             </a:fld>
             <a:endParaRPr lang="en-US"/>
           </a:p>
@@ -4990,7 +4991,7 @@
           <a:p>
             <a:fld id="{8AFD0C0A-1AE2-4136-8C03-104D64C1DF93}" type="datetime1">
               <a:rPr lang="en-US" smtClean="0"/>
-              <a:t>6/16/2016</a:t>
+              <a:t>6/28/2016</a:t>
             </a:fld>
             <a:endParaRPr lang="en-US"/>
           </a:p>
@@ -5201,7 +5202,7 @@
           <a:p>
             <a:fld id="{F5E7B167-E9C4-451B-BDDD-E74BDCA7147A}" type="datetime1">
               <a:rPr lang="en-US" smtClean="0"/>
-              <a:t>6/16/2016</a:t>
+              <a:t>6/28/2016</a:t>
             </a:fld>
             <a:endParaRPr lang="en-US"/>
           </a:p>
@@ -5740,7 +5741,7 @@
           <a:p>
             <a:fld id="{F5E7B167-E9C4-451B-BDDD-E74BDCA7147A}" type="datetime1">
               <a:rPr lang="en-US" smtClean="0"/>
-              <a:t>6/16/2016</a:t>
+              <a:t>6/28/2016</a:t>
             </a:fld>
             <a:endParaRPr lang="en-US"/>
           </a:p>
@@ -6174,15 +6175,7 @@
             <a:pPr algn="l"/>
             <a:r>
               <a:rPr lang="en-US" sz="4900" dirty="0"/>
-              <a:t>Content Authoring on </a:t>
-            </a:r>
-            <a:r>
-              <a:rPr lang="en-US" sz="4900" dirty="0" smtClean="0"/>
-              <a:t>Docs</a:t>
-            </a:r>
-            <a:r>
-              <a:rPr lang="en-US" sz="4900" dirty="0"/>
-              <a:t/>
+              <a:t>Content Authoring on Docs</a:t>
             </a:r>
             <a:br>
               <a:rPr lang="en-US" sz="4900" dirty="0"/>
@@ -6352,7 +6345,7 @@
           <a:p>
             <a:r>
               <a:rPr lang="en-US" dirty="0"/>
-              <a:t>Publishing</a:t>
+              <a:t>Pull request</a:t>
             </a:r>
           </a:p>
         </p:txBody>
@@ -6369,39 +6362,19 @@
         </p:nvSpPr>
         <p:spPr>
           <a:xfrm>
-            <a:off x="838200" y="1825625"/>
-            <a:ext cx="7160491" cy="4351338"/>
+            <a:off x="265176" y="1825625"/>
+            <a:ext cx="3813048" cy="4351338"/>
           </a:xfrm>
         </p:spPr>
         <p:txBody>
           <a:bodyPr>
-            <a:normAutofit/>
+            <a:normAutofit fontScale="85000" lnSpcReduction="20000"/>
           </a:bodyPr>
           <a:lstStyle/>
           <a:p>
             <a:r>
               <a:rPr lang="en-US" dirty="0"/>
-              <a:t>Any content present in the </a:t>
-            </a:r>
-            <a:r>
-              <a:rPr lang="en-US" b="1" dirty="0"/>
-              <a:t>master</a:t>
-            </a:r>
-            <a:r>
-              <a:rPr lang="en-US" dirty="0"/>
-              <a:t> branch of </a:t>
-            </a:r>
-            <a:r>
-              <a:rPr lang="en-US" b="1" dirty="0" smtClean="0"/>
-              <a:t>a private repo</a:t>
-            </a:r>
-            <a:r>
-              <a:rPr lang="en-US" dirty="0" smtClean="0"/>
-              <a:t> </a:t>
-            </a:r>
-            <a:r>
-              <a:rPr lang="en-US" dirty="0"/>
-              <a:t>is published live at 10 AM and 3 PM Monday - Friday.</a:t>
+              <a:t>You move changes from one branch to another using a pull request.</a:t>
             </a:r>
             <a:br>
               <a:rPr lang="en-US" dirty="0"/>
@@ -6409,33 +6382,41 @@
             <a:endParaRPr lang="en-US" dirty="0"/>
           </a:p>
           <a:p>
-            <a:pPr marL="0" indent="0">
-              <a:buNone/>
-            </a:pPr>
-            <a:r>
-              <a:rPr lang="en-US" u="sng" dirty="0"/>
-              <a:t/>
-            </a:r>
-            <a:br>
-              <a:rPr lang="en-US" u="sng" dirty="0"/>
-            </a:br>
-            <a:endParaRPr lang="en-US" dirty="0"/>
-          </a:p>
-          <a:p>
             <a:r>
               <a:rPr lang="en-US" dirty="0"/>
-              <a:t>Pull requests have to be accepted before the content can be published. </a:t>
+              <a:t>All pull requests must be reviewed and accepted by a pull request acceptor.</a:t>
             </a:r>
             <a:br>
               <a:rPr lang="en-US" dirty="0"/>
             </a:br>
             <a:endParaRPr lang="en-US" dirty="0"/>
           </a:p>
-        </p:txBody>
-      </p:sp>
-      <p:sp>
-        <p:nvSpPr>
-          <p:cNvPr id="5" name="Slide Number Placeholder 4"/>
+          <a:p>
+            <a:r>
+              <a:rPr lang="en-US" dirty="0"/>
+              <a:t>Pull requests protect the repo’s integrity.</a:t>
+            </a:r>
+            <a:br>
+              <a:rPr lang="en-US" dirty="0"/>
+            </a:br>
+            <a:endParaRPr lang="en-US" dirty="0"/>
+          </a:p>
+          <a:p>
+            <a:r>
+              <a:rPr lang="en-US" dirty="0"/>
+              <a:t>Pull requests are reviewed by a designated person on the content team. </a:t>
+            </a:r>
+            <a:r>
+              <a:rPr lang="en-US"/>
+              <a:t>Expect feedback!</a:t>
+            </a:r>
+            <a:endParaRPr lang="en-US" dirty="0"/>
+          </a:p>
+        </p:txBody>
+      </p:sp>
+      <p:sp>
+        <p:nvSpPr>
+          <p:cNvPr id="4" name="Slide Number Placeholder 3"/>
           <p:cNvSpPr>
             <a:spLocks noGrp="1"/>
           </p:cNvSpPr>
@@ -6456,10 +6437,182 @@
           </a:p>
         </p:txBody>
       </p:sp>
+      <p:pic>
+        <p:nvPicPr>
+          <p:cNvPr id="2050" name="Picture 2"/>
+          <p:cNvPicPr>
+            <a:picLocks noChangeAspect="1" noChangeArrowheads="1"/>
+          </p:cNvPicPr>
+          <p:nvPr/>
+        </p:nvPicPr>
+        <p:blipFill>
+          <a:blip r:embed="rId2">
+            <a:extLst>
+              <a:ext uri="{28A0092B-C50C-407E-A947-70E740481C1C}">
+                <a14:useLocalDpi xmlns:a14="http://schemas.microsoft.com/office/drawing/2010/main" val="0"/>
+              </a:ext>
+            </a:extLst>
+          </a:blip>
+          <a:srcRect/>
+          <a:stretch>
+            <a:fillRect/>
+          </a:stretch>
+        </p:blipFill>
+        <p:spPr bwMode="auto">
+          <a:xfrm>
+            <a:off x="4620104" y="1563623"/>
+            <a:ext cx="7096408" cy="4817745"/>
+          </a:xfrm>
+          <a:prstGeom prst="rect">
+            <a:avLst/>
+          </a:prstGeom>
+          <a:noFill/>
+          <a:ln>
+            <a:noFill/>
+          </a:ln>
+          <a:extLst>
+            <a:ext uri="{909E8E84-426E-40DD-AFC4-6F175D3DCCD1}">
+              <a14:hiddenFill xmlns:a14="http://schemas.microsoft.com/office/drawing/2010/main">
+                <a:solidFill>
+                  <a:schemeClr val="accent1"/>
+                </a:solidFill>
+              </a14:hiddenFill>
+            </a:ext>
+            <a:ext uri="{91240B29-F687-4F45-9708-019B960494DF}">
+              <a14:hiddenLine xmlns:a14="http://schemas.microsoft.com/office/drawing/2010/main" w="9525">
+                <a:solidFill>
+                  <a:schemeClr val="tx1"/>
+                </a:solidFill>
+                <a:miter lim="800000"/>
+                <a:headEnd/>
+                <a:tailEnd/>
+              </a14:hiddenLine>
+            </a:ext>
+          </a:extLst>
+        </p:spPr>
+      </p:pic>
+      <p:sp>
+        <p:nvSpPr>
+          <p:cNvPr id="7" name="Rectangular Callout 6"/>
+          <p:cNvSpPr/>
+          <p:nvPr/>
+        </p:nvSpPr>
+        <p:spPr>
+          <a:xfrm>
+            <a:off x="4150070" y="188519"/>
+            <a:ext cx="1839250" cy="1042002"/>
+          </a:xfrm>
+          <a:prstGeom prst="wedgeRectCallout">
+            <a:avLst>
+              <a:gd name="adj1" fmla="val 65427"/>
+              <a:gd name="adj2" fmla="val 172364"/>
+            </a:avLst>
+          </a:prstGeom>
+          <a:solidFill>
+            <a:srgbClr val="00B0F0"/>
+          </a:solidFill>
+          <a:ln>
+            <a:solidFill>
+              <a:schemeClr val="bg1">
+                <a:lumMod val="75000"/>
+              </a:schemeClr>
+            </a:solidFill>
+          </a:ln>
+        </p:spPr>
+        <p:style>
+          <a:lnRef idx="2">
+            <a:schemeClr val="accent1">
+              <a:shade val="50000"/>
+            </a:schemeClr>
+          </a:lnRef>
+          <a:fillRef idx="1">
+            <a:schemeClr val="accent1"/>
+          </a:fillRef>
+          <a:effectRef idx="0">
+            <a:schemeClr val="accent1"/>
+          </a:effectRef>
+          <a:fontRef idx="minor">
+            <a:schemeClr val="lt1"/>
+          </a:fontRef>
+        </p:style>
+        <p:txBody>
+          <a:bodyPr rtlCol="0" anchor="ctr"/>
+          <a:lstStyle/>
+          <a:p>
+            <a:r>
+              <a:rPr lang="en-US" sz="1200" dirty="0">
+                <a:solidFill>
+                  <a:schemeClr val="tx1"/>
+                </a:solidFill>
+              </a:rPr>
+              <a:t>On the left, you select where you want to move the changes to. Usually, it is to the upstream repo.</a:t>
+            </a:r>
+          </a:p>
+        </p:txBody>
+      </p:sp>
+      <p:sp>
+        <p:nvSpPr>
+          <p:cNvPr id="8" name="Rectangular Callout 7"/>
+          <p:cNvSpPr/>
+          <p:nvPr/>
+        </p:nvSpPr>
+        <p:spPr>
+          <a:xfrm>
+            <a:off x="8563574" y="188519"/>
+            <a:ext cx="1839250" cy="1042002"/>
+          </a:xfrm>
+          <a:prstGeom prst="wedgeRectCallout">
+            <a:avLst>
+              <a:gd name="adj1" fmla="val -35496"/>
+              <a:gd name="adj2" fmla="val 175874"/>
+            </a:avLst>
+          </a:prstGeom>
+          <a:solidFill>
+            <a:srgbClr val="00B0F0"/>
+          </a:solidFill>
+          <a:ln>
+            <a:solidFill>
+              <a:schemeClr val="bg1">
+                <a:lumMod val="75000"/>
+              </a:schemeClr>
+            </a:solidFill>
+          </a:ln>
+        </p:spPr>
+        <p:style>
+          <a:lnRef idx="2">
+            <a:schemeClr val="accent1">
+              <a:shade val="50000"/>
+            </a:schemeClr>
+          </a:lnRef>
+          <a:fillRef idx="1">
+            <a:schemeClr val="accent1"/>
+          </a:fillRef>
+          <a:effectRef idx="0">
+            <a:schemeClr val="accent1"/>
+          </a:effectRef>
+          <a:fontRef idx="minor">
+            <a:schemeClr val="lt1"/>
+          </a:fontRef>
+        </p:style>
+        <p:txBody>
+          <a:bodyPr rtlCol="0" anchor="ctr"/>
+          <a:lstStyle/>
+          <a:p>
+            <a:r>
+              <a:rPr lang="en-US" sz="1200" dirty="0">
+                <a:solidFill>
+                  <a:schemeClr val="tx1"/>
+                </a:solidFill>
+              </a:rPr>
+              <a:t>On the right, you select the source of the changes. Usually, this is your fork and a branch in your fork.</a:t>
+            </a:r>
+          </a:p>
+        </p:txBody>
+      </p:sp>
     </p:spTree>
     <p:extLst>
       <p:ext uri="{BB962C8B-B14F-4D97-AF65-F5344CB8AC3E}">
-        <p14:creationId xmlns:p14="http://schemas.microsoft.com/office/powerpoint/2010/main" val="3383347230"/>
+        <p14:creationId xmlns:p14="http://schemas.microsoft.com/office/powerpoint/2010/main" val="175369041"/>
       </p:ext>
     </p:extLst>
   </p:cSld>
@@ -6503,7 +6656,7 @@
           <a:p>
             <a:r>
               <a:rPr lang="en-US" dirty="0"/>
-              <a:t>Check your pull requests in GitHub</a:t>
+              <a:t>Publishing</a:t>
             </a:r>
           </a:p>
         </p:txBody>
@@ -6520,8 +6673,8 @@
         </p:nvSpPr>
         <p:spPr>
           <a:xfrm>
-            <a:off x="838200" y="1542473"/>
-            <a:ext cx="3587496" cy="5041850"/>
+            <a:off x="838200" y="1825625"/>
+            <a:ext cx="7160491" cy="4351338"/>
           </a:xfrm>
         </p:spPr>
         <p:txBody>
@@ -6530,219 +6683,79 @@
           </a:bodyPr>
           <a:lstStyle/>
           <a:p>
-            <a:pPr>
-              <a:lnSpc>
-                <a:spcPct val="110000"/>
-              </a:lnSpc>
+            <a:r>
+              <a:rPr lang="en-US" dirty="0"/>
+              <a:t>Any content present in the </a:t>
+            </a:r>
+            <a:r>
+              <a:rPr lang="en-US" b="1" dirty="0"/>
+              <a:t>master</a:t>
+            </a:r>
+            <a:r>
+              <a:rPr lang="en-US" dirty="0"/>
+              <a:t> branch of </a:t>
+            </a:r>
+            <a:r>
+              <a:rPr lang="en-US" b="1" dirty="0"/>
+              <a:t>a private repo</a:t>
+            </a:r>
+            <a:r>
+              <a:rPr lang="en-US" dirty="0"/>
+              <a:t> is published live at 10 AM and 3 PM Monday - Friday.</a:t>
+            </a:r>
+            <a:br>
+              <a:rPr lang="en-US" dirty="0"/>
+            </a:br>
+            <a:endParaRPr lang="en-US" dirty="0"/>
+          </a:p>
+          <a:p>
+            <a:pPr marL="0" indent="0">
+              <a:buNone/>
             </a:pPr>
-            <a:r>
-              <a:rPr lang="en-US" sz="1600" dirty="0"/>
-              <a:t>Content loss can occur in our repo if correct processes are not followed.</a:t>
-            </a:r>
-          </a:p>
-          <a:p>
-            <a:pPr>
-              <a:lnSpc>
-                <a:spcPct val="110000"/>
-              </a:lnSpc>
-            </a:pPr>
-            <a:r>
-              <a:rPr lang="en-US" sz="1600" dirty="0"/>
-              <a:t>Review your pull requests CAREFULLY when you submit them.</a:t>
-            </a:r>
-          </a:p>
-          <a:p>
-            <a:pPr>
-              <a:lnSpc>
-                <a:spcPct val="110000"/>
-              </a:lnSpc>
-            </a:pPr>
-            <a:r>
-              <a:rPr lang="en-US" sz="1600" dirty="0"/>
-              <a:t>If there are unexpected files listed, </a:t>
-            </a:r>
-            <a:r>
-              <a:rPr lang="en-US" sz="1600" b="1" dirty="0">
-                <a:solidFill>
-                  <a:srgbClr val="FF0000"/>
-                </a:solidFill>
-              </a:rPr>
-              <a:t>cancel</a:t>
-            </a:r>
-            <a:r>
-              <a:rPr lang="en-US" sz="1600" dirty="0"/>
-              <a:t> the pull request and troubleshoot.</a:t>
-            </a:r>
-          </a:p>
-          <a:p>
-            <a:pPr>
-              <a:lnSpc>
-                <a:spcPct val="110000"/>
-              </a:lnSpc>
-            </a:pPr>
-            <a:r>
-              <a:rPr lang="en-US" sz="1600" dirty="0"/>
-              <a:t>Ask a peer to review your pull request prior to official review by a pull request reviewer.</a:t>
-            </a:r>
-          </a:p>
-          <a:p>
-            <a:pPr>
-              <a:lnSpc>
-                <a:spcPct val="110000"/>
-              </a:lnSpc>
-            </a:pPr>
-            <a:r>
-              <a:rPr lang="en-US" sz="1600" dirty="0"/>
-              <a:t>Resolve all validation issues called out by the validation bot.</a:t>
-            </a:r>
             <a:br>
-              <a:rPr lang="en-US" sz="1600" dirty="0"/>
+              <a:rPr lang="en-US" u="sng" dirty="0"/>
             </a:br>
-            <a:endParaRPr lang="en-US" sz="1600" dirty="0"/>
-          </a:p>
-          <a:p>
-            <a:pPr>
-              <a:lnSpc>
-                <a:spcPct val="110000"/>
-              </a:lnSpc>
-            </a:pPr>
-            <a:r>
-              <a:rPr lang="en-US" sz="1600" dirty="0"/>
-              <a:t>Check comments for feedback on your pull requests.</a:t>
-            </a:r>
-          </a:p>
-        </p:txBody>
-      </p:sp>
-      <p:sp>
-        <p:nvSpPr>
-          <p:cNvPr id="4" name="TextBox 3"/>
-          <p:cNvSpPr txBox="1"/>
-          <p:nvPr/>
-        </p:nvSpPr>
-        <p:spPr>
-          <a:xfrm>
-            <a:off x="4727447" y="1449431"/>
-            <a:ext cx="6549725" cy="646331"/>
-          </a:xfrm>
-          <a:prstGeom prst="rect">
-            <a:avLst/>
-          </a:prstGeom>
-          <a:noFill/>
-        </p:spPr>
-        <p:txBody>
-          <a:bodyPr wrap="square" rtlCol="0">
-            <a:spAutoFit/>
-          </a:bodyPr>
-          <a:lstStyle/>
-          <a:p>
-            <a:r>
-              <a:rPr lang="en-US" b="1" dirty="0"/>
-              <a:t>What are you supposed to look for? </a:t>
+            <a:endParaRPr lang="en-US" dirty="0"/>
+          </a:p>
+          <a:p>
+            <a:r>
+              <a:rPr lang="en-US" dirty="0"/>
+              <a:t>Pull requests have to be accepted before the content can be published. </a:t>
             </a:r>
             <a:br>
-              <a:rPr lang="en-US" b="1" dirty="0"/>
+              <a:rPr lang="en-US" dirty="0"/>
             </a:br>
-            <a:r>
-              <a:rPr lang="en-US" dirty="0"/>
-              <a:t>Files that are in the change list that you did not intend to change.</a:t>
-            </a:r>
-          </a:p>
-        </p:txBody>
-      </p:sp>
-      <p:pic>
-        <p:nvPicPr>
-          <p:cNvPr id="1026" name="Picture 2" descr="cid:image002.png@01D04773.214B0480"/>
-          <p:cNvPicPr>
-            <a:picLocks noChangeAspect="1" noChangeArrowheads="1"/>
-          </p:cNvPicPr>
-          <p:nvPr/>
-        </p:nvPicPr>
-        <p:blipFill>
-          <a:blip r:embed="rId2">
-            <a:extLst>
-              <a:ext uri="{28A0092B-C50C-407E-A947-70E740481C1C}">
-                <a14:useLocalDpi xmlns:a14="http://schemas.microsoft.com/office/drawing/2010/main" val="0"/>
-              </a:ext>
-            </a:extLst>
-          </a:blip>
-          <a:srcRect/>
-          <a:stretch>
-            <a:fillRect/>
-          </a:stretch>
-        </p:blipFill>
-        <p:spPr bwMode="auto">
-          <a:xfrm>
-            <a:off x="4715683" y="2242066"/>
-            <a:ext cx="6735226" cy="4342257"/>
-          </a:xfrm>
-          <a:prstGeom prst="rect">
-            <a:avLst/>
-          </a:prstGeom>
-          <a:noFill/>
-          <a:ln w="9525">
-            <a:solidFill>
-              <a:srgbClr val="000000"/>
-            </a:solidFill>
-            <a:miter lim="800000"/>
-            <a:headEnd/>
-            <a:tailEnd/>
-          </a:ln>
-          <a:extLst>
-            <a:ext uri="{909E8E84-426E-40DD-AFC4-6F175D3DCCD1}">
-              <a14:hiddenFill xmlns:a14="http://schemas.microsoft.com/office/drawing/2010/main">
-                <a:solidFill>
-                  <a:srgbClr val="FFFFFF"/>
-                </a:solidFill>
-              </a14:hiddenFill>
-            </a:ext>
-          </a:extLst>
-        </p:spPr>
-      </p:pic>
-      <p:pic>
-        <p:nvPicPr>
-          <p:cNvPr id="7" name="Picture 4" descr="http://upload.wikimedia.org/wikipedia/commons/thumb/e/e7/South_Africa_-_General_Warning_sign_(temporary).svg/563px-South_Africa_-_General_Warning_sign_(temporary).svg.png"/>
-          <p:cNvPicPr>
-            <a:picLocks noChangeAspect="1" noChangeArrowheads="1"/>
-          </p:cNvPicPr>
-          <p:nvPr/>
-        </p:nvPicPr>
-        <p:blipFill>
-          <a:blip r:embed="rId3" cstate="print">
-            <a:extLst>
-              <a:ext uri="{28A0092B-C50C-407E-A947-70E740481C1C}">
-                <a14:useLocalDpi xmlns:a14="http://schemas.microsoft.com/office/drawing/2010/main" val="0"/>
-              </a:ext>
-            </a:extLst>
-          </a:blip>
-          <a:srcRect/>
-          <a:stretch>
-            <a:fillRect/>
-          </a:stretch>
-        </p:blipFill>
-        <p:spPr bwMode="auto">
-          <a:xfrm>
-            <a:off x="10315331" y="600346"/>
-            <a:ext cx="961841" cy="849085"/>
-          </a:xfrm>
-          <a:prstGeom prst="rect">
-            <a:avLst/>
-          </a:prstGeom>
-          <a:noFill/>
-          <a:extLst>
-            <a:ext uri="{909E8E84-426E-40DD-AFC4-6F175D3DCCD1}">
-              <a14:hiddenFill xmlns:a14="http://schemas.microsoft.com/office/drawing/2010/main">
-                <a:solidFill>
-                  <a:srgbClr val="FFFFFF"/>
-                </a:solidFill>
-              </a14:hiddenFill>
-            </a:ext>
-          </a:extLst>
-        </p:spPr>
-      </p:pic>
+            <a:endParaRPr lang="en-US" dirty="0"/>
+          </a:p>
+        </p:txBody>
+      </p:sp>
+      <p:sp>
+        <p:nvSpPr>
+          <p:cNvPr id="5" name="Slide Number Placeholder 4"/>
+          <p:cNvSpPr>
+            <a:spLocks noGrp="1"/>
+          </p:cNvSpPr>
+          <p:nvPr>
+            <p:ph type="sldNum" sz="quarter" idx="12"/>
+          </p:nvPr>
+        </p:nvSpPr>
+        <p:spPr/>
+        <p:txBody>
+          <a:bodyPr/>
+          <a:lstStyle/>
+          <a:p>
+            <a:fld id="{17894036-FA33-48B5-BBDE-1535D6213033}" type="slidenum">
+              <a:rPr lang="en-US" smtClean="0"/>
+              <a:t>11</a:t>
+            </a:fld>
+            <a:endParaRPr lang="en-US"/>
+          </a:p>
+        </p:txBody>
+      </p:sp>
     </p:spTree>
     <p:extLst>
       <p:ext uri="{BB962C8B-B14F-4D97-AF65-F5344CB8AC3E}">
-        <p14:creationId xmlns:p14="http://schemas.microsoft.com/office/powerpoint/2010/main" val="2214597092"/>
+        <p14:creationId xmlns:p14="http://schemas.microsoft.com/office/powerpoint/2010/main" val="3383347230"/>
       </p:ext>
     </p:extLst>
   </p:cSld>
@@ -6779,85 +6792,104 @@
             <p:ph type="title"/>
           </p:nvPr>
         </p:nvSpPr>
+        <p:spPr/>
+        <p:txBody>
+          <a:bodyPr/>
+          <a:lstStyle/>
+          <a:p>
+            <a:r>
+              <a:rPr lang="en-US" dirty="0"/>
+              <a:t>Check your pull requests in GitHub</a:t>
+            </a:r>
+          </a:p>
+        </p:txBody>
+      </p:sp>
+      <p:sp>
+        <p:nvSpPr>
+          <p:cNvPr id="3" name="Content Placeholder 2"/>
+          <p:cNvSpPr>
+            <a:spLocks noGrp="1"/>
+          </p:cNvSpPr>
+          <p:nvPr>
+            <p:ph idx="1"/>
+          </p:nvPr>
+        </p:nvSpPr>
         <p:spPr>
           <a:xfrm>
-            <a:off x="732065" y="130629"/>
-            <a:ext cx="10515600" cy="661308"/>
+            <a:off x="838200" y="1542473"/>
+            <a:ext cx="3587496" cy="5041850"/>
           </a:xfrm>
         </p:spPr>
         <p:txBody>
           <a:bodyPr>
-            <a:normAutofit fontScale="90000"/>
+            <a:normAutofit/>
           </a:bodyPr>
           <a:lstStyle/>
           <a:p>
-            <a:r>
-              <a:rPr lang="en-US" dirty="0"/>
-              <a:t>Creating and editing articles</a:t>
-            </a:r>
-          </a:p>
-        </p:txBody>
-      </p:sp>
-      <p:sp>
-        <p:nvSpPr>
-          <p:cNvPr id="3" name="Content Placeholder 2"/>
-          <p:cNvSpPr>
-            <a:spLocks noGrp="1"/>
-          </p:cNvSpPr>
-          <p:nvPr>
-            <p:ph idx="1"/>
-          </p:nvPr>
-        </p:nvSpPr>
-        <p:spPr>
-          <a:xfrm>
-            <a:off x="81642" y="791937"/>
-            <a:ext cx="6163710" cy="5900732"/>
-          </a:xfrm>
-        </p:spPr>
-        <p:txBody>
-          <a:bodyPr>
-            <a:noAutofit/>
-          </a:bodyPr>
-          <a:lstStyle/>
-          <a:p>
+            <a:pPr>
+              <a:lnSpc>
+                <a:spcPct val="110000"/>
+              </a:lnSpc>
+            </a:pPr>
             <a:r>
               <a:rPr lang="en-US" sz="1600" dirty="0"/>
-              <a:t>We use Markdown to format content.</a:t>
-            </a:r>
-            <a:br>
+              <a:t>Content loss can occur in our repo if correct processes are not followed.</a:t>
+            </a:r>
+          </a:p>
+          <a:p>
+            <a:pPr>
+              <a:lnSpc>
+                <a:spcPct val="110000"/>
+              </a:lnSpc>
+            </a:pPr>
+            <a:r>
               <a:rPr lang="en-US" sz="1600" dirty="0"/>
-            </a:br>
+              <a:t>Review your pull requests CAREFULLY when you submit them.</a:t>
+            </a:r>
+          </a:p>
+          <a:p>
+            <a:pPr>
+              <a:lnSpc>
+                <a:spcPct val="110000"/>
+              </a:lnSpc>
+            </a:pPr>
             <a:r>
               <a:rPr lang="en-US" sz="1600" dirty="0"/>
-              <a:t/>
-            </a:r>
-            <a:br>
+              <a:t>If there are unexpected files listed, </a:t>
+            </a:r>
+            <a:r>
+              <a:rPr lang="en-US" sz="1600" b="1" dirty="0">
+                <a:solidFill>
+                  <a:srgbClr val="FF0000"/>
+                </a:solidFill>
+              </a:rPr>
+              <a:t>cancel</a:t>
+            </a:r>
+            <a:r>
               <a:rPr lang="en-US" sz="1600" dirty="0"/>
-            </a:br>
+              <a:t> the pull request and troubleshoot.</a:t>
+            </a:r>
+          </a:p>
+          <a:p>
+            <a:pPr>
+              <a:lnSpc>
+                <a:spcPct val="110000"/>
+              </a:lnSpc>
+            </a:pPr>
             <a:r>
               <a:rPr lang="en-US" sz="1600" dirty="0"/>
-              <a:t/>
-            </a:r>
-            <a:br>
+              <a:t>Ask a peer to review your pull request prior to official review by a pull request reviewer.</a:t>
+            </a:r>
+          </a:p>
+          <a:p>
+            <a:pPr>
+              <a:lnSpc>
+                <a:spcPct val="110000"/>
+              </a:lnSpc>
+            </a:pPr>
+            <a:r>
               <a:rPr lang="en-US" sz="1600" dirty="0"/>
-            </a:br>
-            <a:r>
-              <a:rPr lang="en-US" sz="1600" dirty="0"/>
-              <a:t/>
-            </a:r>
-            <a:br>
-              <a:rPr lang="en-US" sz="1600" dirty="0"/>
-            </a:br>
-            <a:r>
-              <a:rPr lang="en-US" sz="1600" dirty="0"/>
-              <a:t/>
-            </a:r>
-            <a:br>
-              <a:rPr lang="en-US" sz="1600" dirty="0"/>
-            </a:br>
-            <a:r>
-              <a:rPr lang="en-US" sz="1600" dirty="0"/>
-              <a:t/>
+              <a:t>Resolve all validation issues called out by the validation bot.</a:t>
             </a:r>
             <a:br>
               <a:rPr lang="en-US" sz="1600" dirty="0"/>
@@ -6865,6 +6897,250 @@
             <a:endParaRPr lang="en-US" sz="1600" dirty="0"/>
           </a:p>
           <a:p>
+            <a:pPr>
+              <a:lnSpc>
+                <a:spcPct val="110000"/>
+              </a:lnSpc>
+            </a:pPr>
+            <a:r>
+              <a:rPr lang="en-US" sz="1600" dirty="0"/>
+              <a:t>Check comments for feedback on your pull requests.</a:t>
+            </a:r>
+          </a:p>
+        </p:txBody>
+      </p:sp>
+      <p:sp>
+        <p:nvSpPr>
+          <p:cNvPr id="4" name="TextBox 3"/>
+          <p:cNvSpPr txBox="1"/>
+          <p:nvPr/>
+        </p:nvSpPr>
+        <p:spPr>
+          <a:xfrm>
+            <a:off x="4727447" y="1449431"/>
+            <a:ext cx="6549725" cy="646331"/>
+          </a:xfrm>
+          <a:prstGeom prst="rect">
+            <a:avLst/>
+          </a:prstGeom>
+          <a:noFill/>
+        </p:spPr>
+        <p:txBody>
+          <a:bodyPr wrap="square" rtlCol="0">
+            <a:spAutoFit/>
+          </a:bodyPr>
+          <a:lstStyle/>
+          <a:p>
+            <a:r>
+              <a:rPr lang="en-US" b="1" dirty="0"/>
+              <a:t>What are you supposed to look for? </a:t>
+            </a:r>
+            <a:br>
+              <a:rPr lang="en-US" b="1" dirty="0"/>
+            </a:br>
+            <a:r>
+              <a:rPr lang="en-US" dirty="0"/>
+              <a:t>Files that are in the change list that you did not intend to change.</a:t>
+            </a:r>
+          </a:p>
+        </p:txBody>
+      </p:sp>
+      <p:pic>
+        <p:nvPicPr>
+          <p:cNvPr id="1026" name="Picture 2" descr="cid:image002.png@01D04773.214B0480"/>
+          <p:cNvPicPr>
+            <a:picLocks noChangeAspect="1" noChangeArrowheads="1"/>
+          </p:cNvPicPr>
+          <p:nvPr/>
+        </p:nvPicPr>
+        <p:blipFill>
+          <a:blip r:embed="rId2">
+            <a:extLst>
+              <a:ext uri="{28A0092B-C50C-407E-A947-70E740481C1C}">
+                <a14:useLocalDpi xmlns:a14="http://schemas.microsoft.com/office/drawing/2010/main" val="0"/>
+              </a:ext>
+            </a:extLst>
+          </a:blip>
+          <a:srcRect/>
+          <a:stretch>
+            <a:fillRect/>
+          </a:stretch>
+        </p:blipFill>
+        <p:spPr bwMode="auto">
+          <a:xfrm>
+            <a:off x="4715683" y="2242066"/>
+            <a:ext cx="6735226" cy="4342257"/>
+          </a:xfrm>
+          <a:prstGeom prst="rect">
+            <a:avLst/>
+          </a:prstGeom>
+          <a:noFill/>
+          <a:ln w="9525">
+            <a:solidFill>
+              <a:srgbClr val="000000"/>
+            </a:solidFill>
+            <a:miter lim="800000"/>
+            <a:headEnd/>
+            <a:tailEnd/>
+          </a:ln>
+          <a:extLst>
+            <a:ext uri="{909E8E84-426E-40DD-AFC4-6F175D3DCCD1}">
+              <a14:hiddenFill xmlns:a14="http://schemas.microsoft.com/office/drawing/2010/main">
+                <a:solidFill>
+                  <a:srgbClr val="FFFFFF"/>
+                </a:solidFill>
+              </a14:hiddenFill>
+            </a:ext>
+          </a:extLst>
+        </p:spPr>
+      </p:pic>
+      <p:pic>
+        <p:nvPicPr>
+          <p:cNvPr id="7" name="Picture 4" descr="http://upload.wikimedia.org/wikipedia/commons/thumb/e/e7/South_Africa_-_General_Warning_sign_(temporary).svg/563px-South_Africa_-_General_Warning_sign_(temporary).svg.png"/>
+          <p:cNvPicPr>
+            <a:picLocks noChangeAspect="1" noChangeArrowheads="1"/>
+          </p:cNvPicPr>
+          <p:nvPr/>
+        </p:nvPicPr>
+        <p:blipFill>
+          <a:blip r:embed="rId3" cstate="print">
+            <a:extLst>
+              <a:ext uri="{28A0092B-C50C-407E-A947-70E740481C1C}">
+                <a14:useLocalDpi xmlns:a14="http://schemas.microsoft.com/office/drawing/2010/main" val="0"/>
+              </a:ext>
+            </a:extLst>
+          </a:blip>
+          <a:srcRect/>
+          <a:stretch>
+            <a:fillRect/>
+          </a:stretch>
+        </p:blipFill>
+        <p:spPr bwMode="auto">
+          <a:xfrm>
+            <a:off x="10315331" y="600346"/>
+            <a:ext cx="961841" cy="849085"/>
+          </a:xfrm>
+          <a:prstGeom prst="rect">
+            <a:avLst/>
+          </a:prstGeom>
+          <a:noFill/>
+          <a:extLst>
+            <a:ext uri="{909E8E84-426E-40DD-AFC4-6F175D3DCCD1}">
+              <a14:hiddenFill xmlns:a14="http://schemas.microsoft.com/office/drawing/2010/main">
+                <a:solidFill>
+                  <a:srgbClr val="FFFFFF"/>
+                </a:solidFill>
+              </a14:hiddenFill>
+            </a:ext>
+          </a:extLst>
+        </p:spPr>
+      </p:pic>
+    </p:spTree>
+    <p:extLst>
+      <p:ext uri="{BB962C8B-B14F-4D97-AF65-F5344CB8AC3E}">
+        <p14:creationId xmlns:p14="http://schemas.microsoft.com/office/powerpoint/2010/main" val="2214597092"/>
+      </p:ext>
+    </p:extLst>
+  </p:cSld>
+  <p:clrMapOvr>
+    <a:masterClrMapping/>
+  </p:clrMapOvr>
+</p:sld>
+</file>
+
+<file path=ppt/slides/slide13.xml><?xml version="1.0" encoding="utf-8"?>
+<p:sld xmlns:a="http://schemas.openxmlformats.org/drawingml/2006/main" xmlns:r="http://schemas.openxmlformats.org/officeDocument/2006/relationships" xmlns:p="http://schemas.openxmlformats.org/presentationml/2006/main">
+  <p:cSld>
+    <p:spTree>
+      <p:nvGrpSpPr>
+        <p:cNvPr id="1" name=""/>
+        <p:cNvGrpSpPr/>
+        <p:nvPr/>
+      </p:nvGrpSpPr>
+      <p:grpSpPr>
+        <a:xfrm>
+          <a:off x="0" y="0"/>
+          <a:ext cx="0" cy="0"/>
+          <a:chOff x="0" y="0"/>
+          <a:chExt cx="0" cy="0"/>
+        </a:xfrm>
+      </p:grpSpPr>
+      <p:sp>
+        <p:nvSpPr>
+          <p:cNvPr id="2" name="Title 1"/>
+          <p:cNvSpPr>
+            <a:spLocks noGrp="1"/>
+          </p:cNvSpPr>
+          <p:nvPr>
+            <p:ph type="title"/>
+          </p:nvPr>
+        </p:nvSpPr>
+        <p:spPr>
+          <a:xfrm>
+            <a:off x="732065" y="130629"/>
+            <a:ext cx="10515600" cy="661308"/>
+          </a:xfrm>
+        </p:spPr>
+        <p:txBody>
+          <a:bodyPr>
+            <a:normAutofit fontScale="90000"/>
+          </a:bodyPr>
+          <a:lstStyle/>
+          <a:p>
+            <a:r>
+              <a:rPr lang="en-US" dirty="0"/>
+              <a:t>Creating and editing articles</a:t>
+            </a:r>
+          </a:p>
+        </p:txBody>
+      </p:sp>
+      <p:sp>
+        <p:nvSpPr>
+          <p:cNvPr id="3" name="Content Placeholder 2"/>
+          <p:cNvSpPr>
+            <a:spLocks noGrp="1"/>
+          </p:cNvSpPr>
+          <p:nvPr>
+            <p:ph idx="1"/>
+          </p:nvPr>
+        </p:nvSpPr>
+        <p:spPr>
+          <a:xfrm>
+            <a:off x="81642" y="791937"/>
+            <a:ext cx="6163710" cy="5900732"/>
+          </a:xfrm>
+        </p:spPr>
+        <p:txBody>
+          <a:bodyPr>
+            <a:noAutofit/>
+          </a:bodyPr>
+          <a:lstStyle/>
+          <a:p>
+            <a:r>
+              <a:rPr lang="en-US" sz="1600" dirty="0"/>
+              <a:t>We use Markdown to format content.</a:t>
+            </a:r>
+            <a:br>
+              <a:rPr lang="en-US" sz="1600" dirty="0"/>
+            </a:br>
+            <a:br>
+              <a:rPr lang="en-US" sz="1600" dirty="0"/>
+            </a:br>
+            <a:br>
+              <a:rPr lang="en-US" sz="1600" dirty="0"/>
+            </a:br>
+            <a:br>
+              <a:rPr lang="en-US" sz="1600" dirty="0"/>
+            </a:br>
+            <a:br>
+              <a:rPr lang="en-US" sz="1600" dirty="0"/>
+            </a:br>
+            <a:br>
+              <a:rPr lang="en-US" sz="1600" dirty="0"/>
+            </a:br>
+            <a:endParaRPr lang="en-US" sz="1600" dirty="0"/>
+          </a:p>
+          <a:p>
             <a:r>
               <a:rPr lang="en-US" sz="1600" dirty="0"/>
               <a:t>We use GitHub flavored markdown.</a:t>
@@ -6872,10 +7148,9 @@
           </a:p>
           <a:p>
             <a:r>
-              <a:rPr lang="en-US" sz="1600" dirty="0" smtClean="0"/>
+              <a:rPr lang="en-US" sz="1600" dirty="0"/>
               <a:t>You can use whatever editor you prefer (we recommend ATOM)</a:t>
             </a:r>
-            <a:endParaRPr lang="en-US" sz="1600" dirty="0"/>
           </a:p>
           <a:p>
             <a:r>
@@ -6908,11 +7183,7 @@
           <a:p>
             <a:r>
               <a:rPr lang="en-US" sz="1600" dirty="0"/>
-              <a:t>Special things like notes, videos, and other elements are enabled by extensions. </a:t>
-            </a:r>
-            <a:r>
-              <a:rPr lang="en-US" sz="1600" dirty="0" smtClean="0"/>
-              <a:t>See </a:t>
+              <a:t>Special things like notes, videos, and other elements are enabled by extensions. See </a:t>
             </a:r>
             <a:r>
               <a:rPr lang="en-US" sz="1600" dirty="0">
@@ -6927,18 +7198,14 @@
               <a:t> </a:t>
             </a:r>
             <a:r>
-              <a:rPr lang="en-US" sz="1600" dirty="0" smtClean="0"/>
+              <a:rPr lang="en-US" sz="1600" dirty="0"/>
               <a:t>for syntax.</a:t>
             </a:r>
           </a:p>
           <a:p>
             <a:r>
-              <a:rPr lang="en-US" sz="1600" dirty="0" smtClean="0"/>
-              <a:t>To </a:t>
-            </a:r>
-            <a:r>
               <a:rPr lang="en-US" sz="1600" dirty="0"/>
-              <a:t>add images, you must create a folder in the “media” folder for each article, and then put your images in that folder. The folder name must be identical to the topic name. Each topic must have it’s own image folder – do not share images across topics.</a:t>
+              <a:t>To add images, you must create a folder in the “media” folder for each article, and then put your images in that folder. The folder name must be identical to the topic name. Each topic must have it’s own image folder – do not share images across topics.</a:t>
             </a:r>
           </a:p>
           <a:p>
@@ -7082,7 +7349,7 @@
           <a:p>
             <a:fld id="{17894036-FA33-48B5-BBDE-1535D6213033}" type="slidenum">
               <a:rPr lang="en-US" smtClean="0"/>
-              <a:t>12</a:t>
+              <a:t>13</a:t>
             </a:fld>
             <a:endParaRPr lang="en-US"/>
           </a:p>
@@ -7092,308 +7359,6 @@
     <p:extLst>
       <p:ext uri="{BB962C8B-B14F-4D97-AF65-F5344CB8AC3E}">
         <p14:creationId xmlns:p14="http://schemas.microsoft.com/office/powerpoint/2010/main" val="1285417630"/>
-      </p:ext>
-    </p:extLst>
-  </p:cSld>
-  <p:clrMapOvr>
-    <a:masterClrMapping/>
-  </p:clrMapOvr>
-</p:sld>
-</file>
-
-<file path=ppt/slides/slide13.xml><?xml version="1.0" encoding="utf-8"?>
-<p:sld xmlns:a="http://schemas.openxmlformats.org/drawingml/2006/main" xmlns:r="http://schemas.openxmlformats.org/officeDocument/2006/relationships" xmlns:p="http://schemas.openxmlformats.org/presentationml/2006/main">
-  <p:cSld>
-    <p:spTree>
-      <p:nvGrpSpPr>
-        <p:cNvPr id="1" name=""/>
-        <p:cNvGrpSpPr/>
-        <p:nvPr/>
-      </p:nvGrpSpPr>
-      <p:grpSpPr>
-        <a:xfrm>
-          <a:off x="0" y="0"/>
-          <a:ext cx="0" cy="0"/>
-          <a:chOff x="0" y="0"/>
-          <a:chExt cx="0" cy="0"/>
-        </a:xfrm>
-      </p:grpSpPr>
-      <p:sp>
-        <p:nvSpPr>
-          <p:cNvPr id="2" name="Title 1"/>
-          <p:cNvSpPr>
-            <a:spLocks noGrp="1"/>
-          </p:cNvSpPr>
-          <p:nvPr>
-            <p:ph type="title"/>
-          </p:nvPr>
-        </p:nvSpPr>
-        <p:spPr>
-          <a:xfrm>
-            <a:off x="637309" y="365125"/>
-            <a:ext cx="10889673" cy="1325563"/>
-          </a:xfrm>
-        </p:spPr>
-        <p:txBody>
-          <a:bodyPr>
-            <a:normAutofit/>
-          </a:bodyPr>
-          <a:lstStyle/>
-          <a:p>
-            <a:r>
-              <a:rPr lang="en-US" sz="4000" dirty="0"/>
-              <a:t>Understand what you’re getting into</a:t>
-            </a:r>
-            <a:endParaRPr lang="en-US" dirty="0"/>
-          </a:p>
-        </p:txBody>
-      </p:sp>
-      <p:sp>
-        <p:nvSpPr>
-          <p:cNvPr id="3" name="Content Placeholder 2"/>
-          <p:cNvSpPr>
-            <a:spLocks noGrp="1"/>
-          </p:cNvSpPr>
-          <p:nvPr>
-            <p:ph idx="1"/>
-          </p:nvPr>
-        </p:nvSpPr>
-        <p:spPr>
-          <a:xfrm>
-            <a:off x="838199" y="1717964"/>
-            <a:ext cx="5682673" cy="4458998"/>
-          </a:xfrm>
-        </p:spPr>
-        <p:txBody>
-          <a:bodyPr>
-            <a:normAutofit fontScale="92500" lnSpcReduction="20000"/>
-          </a:bodyPr>
-          <a:lstStyle/>
-          <a:p>
-            <a:r>
-              <a:rPr lang="en-US" dirty="0"/>
-              <a:t>When you publish an article, it’s like having a child – you are committing to a long term effort around the article.</a:t>
-            </a:r>
-            <a:br>
-              <a:rPr lang="en-US" dirty="0"/>
-            </a:br>
-            <a:endParaRPr lang="en-US" dirty="0"/>
-          </a:p>
-          <a:p>
-            <a:r>
-              <a:rPr lang="en-US" dirty="0"/>
-              <a:t>You’ll review and update articles every 3 months to ensure they are fresh.</a:t>
-            </a:r>
-            <a:br>
-              <a:rPr lang="en-US" dirty="0"/>
-            </a:br>
-            <a:endParaRPr lang="en-US" dirty="0"/>
-          </a:p>
-          <a:p>
-            <a:r>
-              <a:rPr lang="en-US" dirty="0"/>
-              <a:t>You’ll monitor and respond to </a:t>
-            </a:r>
-            <a:r>
-              <a:rPr lang="en-US" dirty="0" err="1" smtClean="0"/>
-              <a:t>LiveFyre</a:t>
-            </a:r>
-            <a:r>
-              <a:rPr lang="en-US" dirty="0" smtClean="0"/>
-              <a:t> </a:t>
-            </a:r>
-            <a:r>
-              <a:rPr lang="en-US" dirty="0"/>
-              <a:t>comments on articles.</a:t>
-            </a:r>
-            <a:br>
-              <a:rPr lang="en-US" dirty="0"/>
-            </a:br>
-            <a:endParaRPr lang="en-US" dirty="0"/>
-          </a:p>
-          <a:p>
-            <a:r>
-              <a:rPr lang="en-US" dirty="0"/>
-              <a:t>You’ll review customer feedback submitted through the site and make improvements to address the feedback.</a:t>
-            </a:r>
-          </a:p>
-        </p:txBody>
-      </p:sp>
-      <p:sp>
-        <p:nvSpPr>
-          <p:cNvPr id="4" name="Slide Number Placeholder 3"/>
-          <p:cNvSpPr>
-            <a:spLocks noGrp="1"/>
-          </p:cNvSpPr>
-          <p:nvPr>
-            <p:ph type="sldNum" sz="quarter" idx="12"/>
-          </p:nvPr>
-        </p:nvSpPr>
-        <p:spPr/>
-        <p:txBody>
-          <a:bodyPr/>
-          <a:lstStyle/>
-          <a:p>
-            <a:fld id="{17894036-FA33-48B5-BBDE-1535D6213033}" type="slidenum">
-              <a:rPr lang="en-US" smtClean="0"/>
-              <a:t>13</a:t>
-            </a:fld>
-            <a:endParaRPr lang="en-US"/>
-          </a:p>
-        </p:txBody>
-      </p:sp>
-      <p:sp>
-        <p:nvSpPr>
-          <p:cNvPr id="5" name="TextBox 4"/>
-          <p:cNvSpPr txBox="1"/>
-          <p:nvPr/>
-        </p:nvSpPr>
-        <p:spPr>
-          <a:xfrm>
-            <a:off x="7379854" y="2179768"/>
-            <a:ext cx="3611419" cy="369332"/>
-          </a:xfrm>
-          <a:prstGeom prst="rect">
-            <a:avLst/>
-          </a:prstGeom>
-          <a:noFill/>
-        </p:spPr>
-        <p:txBody>
-          <a:bodyPr wrap="square" rtlCol="0">
-            <a:spAutoFit/>
-          </a:bodyPr>
-          <a:lstStyle/>
-          <a:p>
-            <a:r>
-              <a:rPr lang="en-US" b="1" dirty="0"/>
-              <a:t>Content Freshness KPI</a:t>
-            </a:r>
-          </a:p>
-        </p:txBody>
-      </p:sp>
-      <p:sp>
-        <p:nvSpPr>
-          <p:cNvPr id="6" name="TextBox 5"/>
-          <p:cNvSpPr txBox="1"/>
-          <p:nvPr/>
-        </p:nvSpPr>
-        <p:spPr>
-          <a:xfrm>
-            <a:off x="7379854" y="2770955"/>
-            <a:ext cx="3611418" cy="1477328"/>
-          </a:xfrm>
-          <a:prstGeom prst="rect">
-            <a:avLst/>
-          </a:prstGeom>
-          <a:noFill/>
-          <a:ln>
-            <a:solidFill>
-              <a:schemeClr val="bg1">
-                <a:lumMod val="85000"/>
-              </a:schemeClr>
-            </a:solidFill>
-          </a:ln>
-        </p:spPr>
-        <p:txBody>
-          <a:bodyPr wrap="square" rtlCol="0">
-            <a:spAutoFit/>
-          </a:bodyPr>
-          <a:lstStyle/>
-          <a:p>
-            <a:r>
-              <a:rPr lang="en-US" dirty="0">
-                <a:solidFill>
-                  <a:srgbClr val="00B050"/>
-                </a:solidFill>
-                <a:sym typeface="Wingdings"/>
-              </a:rPr>
-              <a:t></a:t>
-            </a:r>
-            <a:r>
-              <a:rPr lang="en-US" dirty="0">
-                <a:sym typeface="Wingdings"/>
-              </a:rPr>
-              <a:t> </a:t>
-            </a:r>
-            <a:r>
-              <a:rPr lang="en-US" dirty="0"/>
-              <a:t>Most Fresh (0-60 days)</a:t>
-            </a:r>
-          </a:p>
-          <a:p>
-            <a:r>
-              <a:rPr lang="en-US" dirty="0">
-                <a:solidFill>
-                  <a:srgbClr val="FFC000"/>
-                </a:solidFill>
-                <a:sym typeface="Wingdings"/>
-              </a:rPr>
-              <a:t></a:t>
-            </a:r>
-            <a:r>
-              <a:rPr lang="en-US" dirty="0">
-                <a:sym typeface="Wingdings"/>
-              </a:rPr>
-              <a:t> </a:t>
-            </a:r>
-            <a:r>
-              <a:rPr lang="en-US" dirty="0"/>
-              <a:t>Fresh (61-90 days)</a:t>
-            </a:r>
-          </a:p>
-          <a:p>
-            <a:r>
-              <a:rPr lang="en-US" dirty="0">
-                <a:solidFill>
-                  <a:srgbClr val="FF0000"/>
-                </a:solidFill>
-                <a:sym typeface="Wingdings"/>
-              </a:rPr>
-              <a:t></a:t>
-            </a:r>
-            <a:r>
-              <a:rPr lang="en-US" dirty="0">
-                <a:sym typeface="Wingdings"/>
-              </a:rPr>
-              <a:t> </a:t>
-            </a:r>
-            <a:r>
-              <a:rPr lang="en-US" dirty="0"/>
-              <a:t>Stale (91-120 days)</a:t>
-            </a:r>
-          </a:p>
-          <a:p>
-            <a:r>
-              <a:rPr lang="en-US" dirty="0">
-                <a:solidFill>
-                  <a:schemeClr val="bg1">
-                    <a:lumMod val="50000"/>
-                  </a:schemeClr>
-                </a:solidFill>
-                <a:sym typeface="Wingdings"/>
-              </a:rPr>
-              <a:t></a:t>
-            </a:r>
-            <a:r>
-              <a:rPr lang="en-US" dirty="0">
-                <a:sym typeface="Wingdings"/>
-              </a:rPr>
-              <a:t> </a:t>
-            </a:r>
-            <a:r>
-              <a:rPr lang="en-US" dirty="0"/>
-              <a:t>Abandoned (121 days +)</a:t>
-            </a:r>
-          </a:p>
-          <a:p>
-            <a:endParaRPr lang="en-US" dirty="0"/>
-          </a:p>
-        </p:txBody>
-      </p:sp>
-    </p:spTree>
-    <p:extLst>
-      <p:ext uri="{BB962C8B-B14F-4D97-AF65-F5344CB8AC3E}">
-        <p14:creationId xmlns:p14="http://schemas.microsoft.com/office/powerpoint/2010/main" val="3879570229"/>
       </p:ext>
     </p:extLst>
   </p:cSld>
@@ -7430,6 +7395,304 @@
             <p:ph type="title"/>
           </p:nvPr>
         </p:nvSpPr>
+        <p:spPr>
+          <a:xfrm>
+            <a:off x="637309" y="365125"/>
+            <a:ext cx="10889673" cy="1325563"/>
+          </a:xfrm>
+        </p:spPr>
+        <p:txBody>
+          <a:bodyPr>
+            <a:normAutofit/>
+          </a:bodyPr>
+          <a:lstStyle/>
+          <a:p>
+            <a:r>
+              <a:rPr lang="en-US" sz="4000" dirty="0"/>
+              <a:t>Understand what you’re getting into</a:t>
+            </a:r>
+            <a:endParaRPr lang="en-US" dirty="0"/>
+          </a:p>
+        </p:txBody>
+      </p:sp>
+      <p:sp>
+        <p:nvSpPr>
+          <p:cNvPr id="3" name="Content Placeholder 2"/>
+          <p:cNvSpPr>
+            <a:spLocks noGrp="1"/>
+          </p:cNvSpPr>
+          <p:nvPr>
+            <p:ph idx="1"/>
+          </p:nvPr>
+        </p:nvSpPr>
+        <p:spPr>
+          <a:xfrm>
+            <a:off x="838199" y="1717964"/>
+            <a:ext cx="5682673" cy="4458998"/>
+          </a:xfrm>
+        </p:spPr>
+        <p:txBody>
+          <a:bodyPr>
+            <a:normAutofit fontScale="92500" lnSpcReduction="20000"/>
+          </a:bodyPr>
+          <a:lstStyle/>
+          <a:p>
+            <a:r>
+              <a:rPr lang="en-US" dirty="0"/>
+              <a:t>When you publish an article, it’s like having a child – you are committing to a long term effort around the article.</a:t>
+            </a:r>
+            <a:br>
+              <a:rPr lang="en-US" dirty="0"/>
+            </a:br>
+            <a:endParaRPr lang="en-US" dirty="0"/>
+          </a:p>
+          <a:p>
+            <a:r>
+              <a:rPr lang="en-US" dirty="0"/>
+              <a:t>You’ll review and update articles every 3 months to ensure they are fresh.</a:t>
+            </a:r>
+            <a:br>
+              <a:rPr lang="en-US" dirty="0"/>
+            </a:br>
+            <a:endParaRPr lang="en-US" dirty="0"/>
+          </a:p>
+          <a:p>
+            <a:r>
+              <a:rPr lang="en-US" dirty="0"/>
+              <a:t>You’ll monitor and respond to </a:t>
+            </a:r>
+            <a:r>
+              <a:rPr lang="en-US" dirty="0" err="1"/>
+              <a:t>LiveFyre</a:t>
+            </a:r>
+            <a:r>
+              <a:rPr lang="en-US" dirty="0"/>
+              <a:t> comments on articles.</a:t>
+            </a:r>
+            <a:br>
+              <a:rPr lang="en-US" dirty="0"/>
+            </a:br>
+            <a:endParaRPr lang="en-US" dirty="0"/>
+          </a:p>
+          <a:p>
+            <a:r>
+              <a:rPr lang="en-US" dirty="0"/>
+              <a:t>You’ll review customer feedback submitted through the site and make improvements to address the feedback.</a:t>
+            </a:r>
+          </a:p>
+        </p:txBody>
+      </p:sp>
+      <p:sp>
+        <p:nvSpPr>
+          <p:cNvPr id="4" name="Slide Number Placeholder 3"/>
+          <p:cNvSpPr>
+            <a:spLocks noGrp="1"/>
+          </p:cNvSpPr>
+          <p:nvPr>
+            <p:ph type="sldNum" sz="quarter" idx="12"/>
+          </p:nvPr>
+        </p:nvSpPr>
+        <p:spPr/>
+        <p:txBody>
+          <a:bodyPr/>
+          <a:lstStyle/>
+          <a:p>
+            <a:fld id="{17894036-FA33-48B5-BBDE-1535D6213033}" type="slidenum">
+              <a:rPr lang="en-US" smtClean="0"/>
+              <a:t>14</a:t>
+            </a:fld>
+            <a:endParaRPr lang="en-US"/>
+          </a:p>
+        </p:txBody>
+      </p:sp>
+      <p:sp>
+        <p:nvSpPr>
+          <p:cNvPr id="5" name="TextBox 4"/>
+          <p:cNvSpPr txBox="1"/>
+          <p:nvPr/>
+        </p:nvSpPr>
+        <p:spPr>
+          <a:xfrm>
+            <a:off x="7379854" y="2179768"/>
+            <a:ext cx="3611419" cy="369332"/>
+          </a:xfrm>
+          <a:prstGeom prst="rect">
+            <a:avLst/>
+          </a:prstGeom>
+          <a:noFill/>
+        </p:spPr>
+        <p:txBody>
+          <a:bodyPr wrap="square" rtlCol="0">
+            <a:spAutoFit/>
+          </a:bodyPr>
+          <a:lstStyle/>
+          <a:p>
+            <a:r>
+              <a:rPr lang="en-US" b="1" dirty="0"/>
+              <a:t>Content Freshness KPI</a:t>
+            </a:r>
+          </a:p>
+        </p:txBody>
+      </p:sp>
+      <p:sp>
+        <p:nvSpPr>
+          <p:cNvPr id="6" name="TextBox 5"/>
+          <p:cNvSpPr txBox="1"/>
+          <p:nvPr/>
+        </p:nvSpPr>
+        <p:spPr>
+          <a:xfrm>
+            <a:off x="7379854" y="2770955"/>
+            <a:ext cx="3611418" cy="1477328"/>
+          </a:xfrm>
+          <a:prstGeom prst="rect">
+            <a:avLst/>
+          </a:prstGeom>
+          <a:noFill/>
+          <a:ln>
+            <a:solidFill>
+              <a:schemeClr val="bg1">
+                <a:lumMod val="85000"/>
+              </a:schemeClr>
+            </a:solidFill>
+          </a:ln>
+        </p:spPr>
+        <p:txBody>
+          <a:bodyPr wrap="square" rtlCol="0">
+            <a:spAutoFit/>
+          </a:bodyPr>
+          <a:lstStyle/>
+          <a:p>
+            <a:r>
+              <a:rPr lang="en-US" dirty="0">
+                <a:solidFill>
+                  <a:srgbClr val="00B050"/>
+                </a:solidFill>
+                <a:sym typeface="Wingdings"/>
+              </a:rPr>
+              <a:t></a:t>
+            </a:r>
+            <a:r>
+              <a:rPr lang="en-US" dirty="0">
+                <a:sym typeface="Wingdings"/>
+              </a:rPr>
+              <a:t> </a:t>
+            </a:r>
+            <a:r>
+              <a:rPr lang="en-US" dirty="0"/>
+              <a:t>Most Fresh (0-60 days)</a:t>
+            </a:r>
+          </a:p>
+          <a:p>
+            <a:r>
+              <a:rPr lang="en-US" dirty="0">
+                <a:solidFill>
+                  <a:srgbClr val="FFC000"/>
+                </a:solidFill>
+                <a:sym typeface="Wingdings"/>
+              </a:rPr>
+              <a:t></a:t>
+            </a:r>
+            <a:r>
+              <a:rPr lang="en-US" dirty="0">
+                <a:sym typeface="Wingdings"/>
+              </a:rPr>
+              <a:t> </a:t>
+            </a:r>
+            <a:r>
+              <a:rPr lang="en-US" dirty="0"/>
+              <a:t>Fresh (61-90 days)</a:t>
+            </a:r>
+          </a:p>
+          <a:p>
+            <a:r>
+              <a:rPr lang="en-US" dirty="0">
+                <a:solidFill>
+                  <a:srgbClr val="FF0000"/>
+                </a:solidFill>
+                <a:sym typeface="Wingdings"/>
+              </a:rPr>
+              <a:t></a:t>
+            </a:r>
+            <a:r>
+              <a:rPr lang="en-US" dirty="0">
+                <a:sym typeface="Wingdings"/>
+              </a:rPr>
+              <a:t> </a:t>
+            </a:r>
+            <a:r>
+              <a:rPr lang="en-US" dirty="0"/>
+              <a:t>Stale (91-120 days)</a:t>
+            </a:r>
+          </a:p>
+          <a:p>
+            <a:r>
+              <a:rPr lang="en-US" dirty="0">
+                <a:solidFill>
+                  <a:schemeClr val="bg1">
+                    <a:lumMod val="50000"/>
+                  </a:schemeClr>
+                </a:solidFill>
+                <a:sym typeface="Wingdings"/>
+              </a:rPr>
+              <a:t></a:t>
+            </a:r>
+            <a:r>
+              <a:rPr lang="en-US" dirty="0">
+                <a:sym typeface="Wingdings"/>
+              </a:rPr>
+              <a:t> </a:t>
+            </a:r>
+            <a:r>
+              <a:rPr lang="en-US" dirty="0"/>
+              <a:t>Abandoned (121 days +)</a:t>
+            </a:r>
+          </a:p>
+          <a:p>
+            <a:endParaRPr lang="en-US" dirty="0"/>
+          </a:p>
+        </p:txBody>
+      </p:sp>
+    </p:spTree>
+    <p:extLst>
+      <p:ext uri="{BB962C8B-B14F-4D97-AF65-F5344CB8AC3E}">
+        <p14:creationId xmlns:p14="http://schemas.microsoft.com/office/powerpoint/2010/main" val="3879570229"/>
+      </p:ext>
+    </p:extLst>
+  </p:cSld>
+  <p:clrMapOvr>
+    <a:masterClrMapping/>
+  </p:clrMapOvr>
+</p:sld>
+</file>
+
+<file path=ppt/slides/slide15.xml><?xml version="1.0" encoding="utf-8"?>
+<p:sld xmlns:a="http://schemas.openxmlformats.org/drawingml/2006/main" xmlns:r="http://schemas.openxmlformats.org/officeDocument/2006/relationships" xmlns:p="http://schemas.openxmlformats.org/presentationml/2006/main">
+  <p:cSld>
+    <p:spTree>
+      <p:nvGrpSpPr>
+        <p:cNvPr id="1" name=""/>
+        <p:cNvGrpSpPr/>
+        <p:nvPr/>
+      </p:nvGrpSpPr>
+      <p:grpSpPr>
+        <a:xfrm>
+          <a:off x="0" y="0"/>
+          <a:ext cx="0" cy="0"/>
+          <a:chOff x="0" y="0"/>
+          <a:chExt cx="0" cy="0"/>
+        </a:xfrm>
+      </p:grpSpPr>
+      <p:sp>
+        <p:nvSpPr>
+          <p:cNvPr id="2" name="Title 1"/>
+          <p:cNvSpPr>
+            <a:spLocks noGrp="1"/>
+          </p:cNvSpPr>
+          <p:nvPr>
+            <p:ph type="title"/>
+          </p:nvPr>
+        </p:nvSpPr>
         <p:spPr/>
         <p:txBody>
           <a:bodyPr/>
@@ -7472,10 +7735,6 @@
               </a:rPr>
               <a:t>Tools and setup for authoring in GitHub</a:t>
             </a:r>
-            <a:r>
-              <a:rPr lang="en-US" dirty="0"/>
-              <a:t/>
-            </a:r>
             <a:br>
               <a:rPr lang="en-US" dirty="0"/>
             </a:br>
@@ -7495,10 +7754,6 @@
               </a:rPr>
               <a:t>https://github.com/Azure/azure-content/blob/master/contributor-guide/contributor-guide-index.md</a:t>
             </a:r>
-            <a:r>
-              <a:rPr lang="en-US" dirty="0"/>
-              <a:t/>
-            </a:r>
             <a:br>
               <a:rPr lang="en-US" dirty="0"/>
             </a:br>
@@ -7562,7 +7817,7 @@
           <a:p>
             <a:fld id="{17894036-FA33-48B5-BBDE-1535D6213033}" type="slidenum">
               <a:rPr lang="en-US" smtClean="0"/>
-              <a:t>14</a:t>
+              <a:t>15</a:t>
             </a:fld>
             <a:endParaRPr lang="en-US" dirty="0"/>
           </a:p>
@@ -7600,6 +7855,320 @@
       </p:grpSpPr>
       <p:sp>
         <p:nvSpPr>
+          <p:cNvPr id="2" name="Title 1"/>
+          <p:cNvSpPr>
+            <a:spLocks noGrp="1"/>
+          </p:cNvSpPr>
+          <p:nvPr>
+            <p:ph type="title"/>
+          </p:nvPr>
+        </p:nvSpPr>
+        <p:spPr/>
+        <p:txBody>
+          <a:bodyPr/>
+          <a:lstStyle/>
+          <a:p>
+            <a:r>
+              <a:rPr lang="en-US" dirty="0"/>
+              <a:t>Prerequisites</a:t>
+            </a:r>
+          </a:p>
+        </p:txBody>
+      </p:sp>
+      <p:sp>
+        <p:nvSpPr>
+          <p:cNvPr id="3" name="Content Placeholder 2"/>
+          <p:cNvSpPr>
+            <a:spLocks noGrp="1"/>
+          </p:cNvSpPr>
+          <p:nvPr>
+            <p:ph idx="1"/>
+          </p:nvPr>
+        </p:nvSpPr>
+        <p:spPr/>
+        <p:txBody>
+          <a:bodyPr>
+            <a:noAutofit/>
+          </a:bodyPr>
+          <a:lstStyle/>
+          <a:p>
+            <a:pPr marL="0" indent="0">
+              <a:buNone/>
+            </a:pPr>
+            <a:r>
+              <a:rPr lang="en-US" sz="2600" dirty="0"/>
+              <a:t>This training assumes you have completed this subset of steps from the </a:t>
+            </a:r>
+            <a:r>
+              <a:rPr lang="en-US" sz="2600" dirty="0">
+                <a:hlinkClick r:id="rId2"/>
+              </a:rPr>
+              <a:t>Tools and Setup guide</a:t>
+            </a:r>
+            <a:r>
+              <a:rPr lang="en-US" sz="2600" dirty="0"/>
+              <a:t>:</a:t>
+            </a:r>
+          </a:p>
+          <a:p>
+            <a:pPr marL="0" indent="0">
+              <a:buNone/>
+            </a:pPr>
+            <a:endParaRPr lang="en-US" sz="2600" dirty="0"/>
+          </a:p>
+          <a:p>
+            <a:pPr marL="457200" lvl="1" indent="0" eaLnBrk="0" fontAlgn="base" hangingPunct="0">
+              <a:lnSpc>
+                <a:spcPct val="100000"/>
+              </a:lnSpc>
+              <a:spcBef>
+                <a:spcPct val="0"/>
+              </a:spcBef>
+              <a:spcAft>
+                <a:spcPct val="0"/>
+              </a:spcAft>
+              <a:buFontTx/>
+              <a:buChar char="•"/>
+            </a:pPr>
+            <a:r>
+              <a:rPr lang="en-US" altLang="en-US" sz="2600" dirty="0">
+                <a:hlinkClick r:id="rId3"/>
+              </a:rPr>
+              <a:t>Created a Microsoft-specific Github account</a:t>
+            </a:r>
+            <a:endParaRPr lang="en-US" altLang="en-US" sz="2600" dirty="0"/>
+          </a:p>
+          <a:p>
+            <a:pPr marL="457200" lvl="1" indent="0" eaLnBrk="0" fontAlgn="base" hangingPunct="0">
+              <a:lnSpc>
+                <a:spcPct val="100000"/>
+              </a:lnSpc>
+              <a:spcBef>
+                <a:spcPct val="0"/>
+              </a:spcBef>
+              <a:spcAft>
+                <a:spcPct val="0"/>
+              </a:spcAft>
+              <a:buFontTx/>
+              <a:buChar char="•"/>
+            </a:pPr>
+            <a:r>
+              <a:rPr lang="en-US" altLang="en-US" sz="2600" dirty="0">
+                <a:hlinkClick r:id="rId4"/>
+              </a:rPr>
+              <a:t>Completed your Github profile</a:t>
+            </a:r>
+            <a:endParaRPr lang="en-US" altLang="en-US" sz="2600" dirty="0"/>
+          </a:p>
+          <a:p>
+            <a:pPr marL="457200" lvl="1" indent="0" eaLnBrk="0" fontAlgn="base" hangingPunct="0">
+              <a:lnSpc>
+                <a:spcPct val="100000"/>
+              </a:lnSpc>
+              <a:spcBef>
+                <a:spcPct val="0"/>
+              </a:spcBef>
+              <a:spcAft>
+                <a:spcPct val="0"/>
+              </a:spcAft>
+              <a:buFontTx/>
+              <a:buChar char="•"/>
+            </a:pPr>
+            <a:r>
+              <a:rPr lang="en-US" altLang="en-US" sz="2600" dirty="0">
+                <a:hlinkClick r:id="rId5"/>
+              </a:rPr>
+              <a:t>Enabled multifactor authentication for your Github Account</a:t>
+            </a:r>
+            <a:endParaRPr lang="en-US" altLang="en-US" sz="2600" dirty="0"/>
+          </a:p>
+          <a:p>
+            <a:pPr marL="457200" lvl="1" indent="0" eaLnBrk="0" fontAlgn="base" hangingPunct="0">
+              <a:lnSpc>
+                <a:spcPct val="100000"/>
+              </a:lnSpc>
+              <a:spcBef>
+                <a:spcPct val="0"/>
+              </a:spcBef>
+              <a:spcAft>
+                <a:spcPct val="0"/>
+              </a:spcAft>
+              <a:buFontTx/>
+              <a:buChar char="•"/>
+            </a:pPr>
+            <a:r>
+              <a:rPr lang="en-US" altLang="en-US" sz="2600" dirty="0">
+                <a:hlinkClick r:id="rId6"/>
+              </a:rPr>
+              <a:t>Connected to the Microsoft org</a:t>
+            </a:r>
+            <a:endParaRPr lang="en-US" altLang="en-US" sz="2600" dirty="0"/>
+          </a:p>
+          <a:p>
+            <a:pPr marL="457200" lvl="1" indent="0" eaLnBrk="0" fontAlgn="base" hangingPunct="0">
+              <a:lnSpc>
+                <a:spcPct val="100000"/>
+              </a:lnSpc>
+              <a:spcBef>
+                <a:spcPct val="0"/>
+              </a:spcBef>
+              <a:spcAft>
+                <a:spcPct val="0"/>
+              </a:spcAft>
+              <a:buFontTx/>
+              <a:buChar char="•"/>
+            </a:pPr>
+            <a:r>
+              <a:rPr lang="en-US" altLang="en-US" sz="2600" dirty="0">
+                <a:hlinkClick r:id="rId7"/>
+              </a:rPr>
+              <a:t>Installed and configured </a:t>
+            </a:r>
+            <a:r>
+              <a:rPr lang="en-US" altLang="en-US" sz="2600" dirty="0" err="1">
+                <a:hlinkClick r:id="rId7"/>
+              </a:rPr>
+              <a:t>Git</a:t>
+            </a:r>
+            <a:r>
+              <a:rPr lang="en-US" altLang="en-US" sz="2600" dirty="0">
+                <a:hlinkClick r:id="rId7"/>
+              </a:rPr>
+              <a:t> tools</a:t>
+            </a:r>
+            <a:endParaRPr lang="en-US" altLang="en-US" sz="2600" dirty="0"/>
+          </a:p>
+          <a:p>
+            <a:pPr marL="457200" lvl="1" indent="0" eaLnBrk="0" fontAlgn="base" hangingPunct="0">
+              <a:lnSpc>
+                <a:spcPct val="100000"/>
+              </a:lnSpc>
+              <a:spcBef>
+                <a:spcPct val="0"/>
+              </a:spcBef>
+              <a:spcAft>
+                <a:spcPct val="0"/>
+              </a:spcAft>
+              <a:buFontTx/>
+              <a:buChar char="•"/>
+            </a:pPr>
+            <a:r>
+              <a:rPr lang="en-US" altLang="en-US" sz="2600" dirty="0">
+                <a:hlinkClick r:id="rId8"/>
+              </a:rPr>
+              <a:t>Installed a </a:t>
+            </a:r>
+            <a:r>
+              <a:rPr lang="en-US" altLang="en-US" sz="2600">
+                <a:hlinkClick r:id="rId8"/>
+              </a:rPr>
+              <a:t>markdown editor</a:t>
+            </a:r>
+            <a:endParaRPr lang="en-US" altLang="en-US" sz="2600" dirty="0"/>
+          </a:p>
+          <a:p>
+            <a:pPr marL="0" indent="0" eaLnBrk="0" fontAlgn="base" hangingPunct="0">
+              <a:lnSpc>
+                <a:spcPct val="100000"/>
+              </a:lnSpc>
+              <a:spcBef>
+                <a:spcPct val="0"/>
+              </a:spcBef>
+              <a:spcAft>
+                <a:spcPct val="0"/>
+              </a:spcAft>
+              <a:buNone/>
+            </a:pPr>
+            <a:r>
+              <a:rPr lang="en-US" altLang="en-US" sz="2600" dirty="0"/>
+              <a:t>This training will use the Docs repo, found at </a:t>
+            </a:r>
+            <a:r>
+              <a:rPr lang="en-US" altLang="en-US" sz="2600" dirty="0">
+                <a:hlinkClick r:id="rId9"/>
+              </a:rPr>
+              <a:t>https://github.com/Microsoft/Docs</a:t>
+            </a:r>
+            <a:r>
+              <a:rPr lang="en-US" altLang="en-US" sz="2600" dirty="0"/>
+              <a:t>.</a:t>
+            </a:r>
+          </a:p>
+          <a:p>
+            <a:pPr marL="0" indent="0" eaLnBrk="0" fontAlgn="base" hangingPunct="0">
+              <a:lnSpc>
+                <a:spcPct val="100000"/>
+              </a:lnSpc>
+              <a:spcBef>
+                <a:spcPct val="0"/>
+              </a:spcBef>
+              <a:spcAft>
+                <a:spcPct val="0"/>
+              </a:spcAft>
+              <a:buNone/>
+            </a:pPr>
+            <a:endParaRPr lang="en-US" altLang="en-US" sz="2600" dirty="0"/>
+          </a:p>
+          <a:p>
+            <a:endParaRPr lang="en-US" sz="2600" dirty="0"/>
+          </a:p>
+        </p:txBody>
+      </p:sp>
+      <p:sp>
+        <p:nvSpPr>
+          <p:cNvPr id="4" name="Slide Number Placeholder 3"/>
+          <p:cNvSpPr>
+            <a:spLocks noGrp="1"/>
+          </p:cNvSpPr>
+          <p:nvPr>
+            <p:ph type="sldNum" sz="quarter" idx="12"/>
+          </p:nvPr>
+        </p:nvSpPr>
+        <p:spPr/>
+        <p:txBody>
+          <a:bodyPr/>
+          <a:lstStyle/>
+          <a:p>
+            <a:fld id="{17894036-FA33-48B5-BBDE-1535D6213033}" type="slidenum">
+              <a:rPr lang="en-US" smtClean="0"/>
+              <a:t>2</a:t>
+            </a:fld>
+            <a:endParaRPr lang="en-US"/>
+          </a:p>
+        </p:txBody>
+      </p:sp>
+    </p:spTree>
+    <p:extLst>
+      <p:ext uri="{BB962C8B-B14F-4D97-AF65-F5344CB8AC3E}">
+        <p14:creationId xmlns:p14="http://schemas.microsoft.com/office/powerpoint/2010/main" val="3085262287"/>
+      </p:ext>
+    </p:extLst>
+  </p:cSld>
+  <p:clrMapOvr>
+    <a:masterClrMapping/>
+  </p:clrMapOvr>
+</p:sld>
+</file>
+
+<file path=ppt/slides/slide3.xml><?xml version="1.0" encoding="utf-8"?>
+<p:sld xmlns:a="http://schemas.openxmlformats.org/drawingml/2006/main" xmlns:r="http://schemas.openxmlformats.org/officeDocument/2006/relationships" xmlns:p="http://schemas.openxmlformats.org/presentationml/2006/main">
+  <p:cSld>
+    <p:spTree>
+      <p:nvGrpSpPr>
+        <p:cNvPr id="1" name=""/>
+        <p:cNvGrpSpPr/>
+        <p:nvPr/>
+      </p:nvGrpSpPr>
+      <p:grpSpPr>
+        <a:xfrm>
+          <a:off x="0" y="0"/>
+          <a:ext cx="0" cy="0"/>
+          <a:chOff x="0" y="0"/>
+          <a:chExt cx="0" cy="0"/>
+        </a:xfrm>
+      </p:grpSpPr>
+      <p:sp>
+        <p:nvSpPr>
           <p:cNvPr id="6" name="Title 1"/>
           <p:cNvSpPr>
             <a:spLocks noGrp="1"/>
@@ -7666,7 +8235,7 @@
           <a:p>
             <a:fld id="{17894036-FA33-48B5-BBDE-1535D6213033}" type="slidenum">
               <a:rPr lang="en-US" smtClean="0"/>
-              <a:t>2</a:t>
+              <a:t>3</a:t>
             </a:fld>
             <a:endParaRPr lang="en-US"/>
           </a:p>
@@ -7844,39 +8413,26 @@
                       </a:r>
                       <a:r>
                         <a:rPr lang="en-US" sz="1200" dirty="0"/>
-                        <a:t>as a content management system. GitHub is built on top of Git. To interact with GitHub, you can use their web interface </a:t>
+                        <a:t>as a content management system. GitHub is built on top of Git. To interact with GitHub, you can use their web interface (</a:t>
                       </a:r>
                       <a:r>
-                        <a:rPr lang="en-US" sz="1200" dirty="0" smtClean="0"/>
-                        <a:t>(</a:t>
-                      </a:r>
-                      <a:r>
-                        <a:rPr lang="en-US" sz="1200" dirty="0" smtClean="0">
+                        <a:rPr lang="en-US" sz="1200" dirty="0">
                           <a:hlinkClick r:id="rId2"/>
                         </a:rPr>
                         <a:t>github.com</a:t>
                       </a:r>
                       <a:r>
-                        <a:rPr lang="en-US" sz="1200" dirty="0" smtClean="0"/>
-                        <a:t>) or </a:t>
+                        <a:rPr lang="en-US" sz="1200" dirty="0"/>
+                        <a:t>) or install tools such as </a:t>
+                      </a:r>
+                      <a:r>
+                        <a:rPr lang="en-US" sz="1200" dirty="0" err="1"/>
+                        <a:t>Git</a:t>
                       </a:r>
                       <a:r>
                         <a:rPr lang="en-US" sz="1200" dirty="0"/>
-                        <a:t>install </a:t>
-                      </a:r>
-                      <a:r>
-                        <a:rPr lang="en-US" sz="1200" dirty="0" smtClean="0"/>
-                        <a:t>tools such as </a:t>
-                      </a:r>
-                      <a:r>
-                        <a:rPr lang="en-US" sz="1200" dirty="0" err="1" smtClean="0"/>
-                        <a:t>Git</a:t>
-                      </a:r>
-                      <a:r>
-                        <a:rPr lang="en-US" sz="1200" dirty="0" smtClean="0"/>
                         <a:t> bash locally.</a:t>
                       </a:r>
-                      <a:endParaRPr lang="en-US" sz="1200" dirty="0"/>
                     </a:p>
                   </a:txBody>
                   <a:tcPr/>
@@ -7927,79 +8483,75 @@
                         <a:defRPr/>
                       </a:pPr>
                       <a:r>
-                        <a:rPr lang="en-US" sz="1200" dirty="0" smtClean="0"/>
-                        <a:t>A discrete project in </a:t>
+                        <a:rPr lang="en-US" sz="1200" dirty="0"/>
+                        <a:t>A discrete project in GitHub. </a:t>
+                      </a:r>
+                      <a:r>
+                        <a:rPr lang="en-US" sz="1200" baseline="0" dirty="0"/>
+                        <a:t>Docs.ms repos are within the “Microsoft” org, and are either </a:t>
                       </a:r>
                       <a:r>
                         <a:rPr lang="en-US" sz="1200" dirty="0"/>
-                        <a:t>GitHub. </a:t>
-                      </a:r>
-                      <a:r>
-                        <a:rPr lang="en-US" sz="1200" baseline="0" dirty="0" smtClean="0"/>
-                        <a:t>Docs.ms repos are within the “Microsoft” org, and are either </a:t>
-                      </a:r>
-                      <a:r>
-                        <a:rPr lang="en-US" sz="1200" dirty="0" smtClean="0"/>
                         <a:t>external-facing public repos (e.g. </a:t>
                       </a:r>
                       <a:r>
-                        <a:rPr lang="en-US" sz="1200" i="0" dirty="0" smtClean="0">
+                        <a:rPr lang="en-US" sz="1200" i="0" dirty="0">
                           <a:hlinkClick r:id="rId3"/>
                         </a:rPr>
                         <a:t>Azure-</a:t>
                       </a:r>
                       <a:r>
-                        <a:rPr lang="en-US" sz="1200" i="0" dirty="0" err="1" smtClean="0">
+                        <a:rPr lang="en-US" sz="1200" i="0" dirty="0" err="1">
                           <a:hlinkClick r:id="rId3"/>
                         </a:rPr>
                         <a:t>RMSDocs</a:t>
                       </a:r>
                       <a:r>
-                        <a:rPr lang="en-US" sz="1200" i="0" dirty="0" smtClean="0"/>
+                        <a:rPr lang="en-US" sz="1200" i="0" dirty="0"/>
                         <a:t>) for </a:t>
                       </a:r>
                       <a:r>
-                        <a:rPr lang="en-US" sz="1200" dirty="0" smtClean="0"/>
+                        <a:rPr lang="en-US" sz="1200" dirty="0"/>
                         <a:t>customers and infrequent contributors, or internal-only</a:t>
                       </a:r>
                       <a:r>
-                        <a:rPr lang="en-US" sz="1200" baseline="0" dirty="0" smtClean="0"/>
+                        <a:rPr lang="en-US" sz="1200" baseline="0" dirty="0"/>
                         <a:t> </a:t>
                       </a:r>
                       <a:r>
-                        <a:rPr lang="en-US" sz="1200" dirty="0" smtClean="0"/>
+                        <a:rPr lang="en-US" sz="1200" dirty="0"/>
                         <a:t>private repos (e.g. </a:t>
                       </a:r>
                       <a:r>
-                        <a:rPr lang="en-US" sz="1200" i="0" dirty="0" smtClean="0">
+                        <a:rPr lang="en-US" sz="1200" i="0" dirty="0">
                           <a:hlinkClick r:id="rId4"/>
                         </a:rPr>
                         <a:t>Azure-</a:t>
                       </a:r>
                       <a:r>
-                        <a:rPr lang="en-US" sz="1200" i="0" dirty="0" err="1" smtClean="0">
+                        <a:rPr lang="en-US" sz="1200" i="0" dirty="0" err="1">
                           <a:hlinkClick r:id="rId4"/>
                         </a:rPr>
                         <a:t>RMSDocs</a:t>
                       </a:r>
                       <a:r>
-                        <a:rPr lang="en-US" sz="1200" i="0" dirty="0" smtClean="0">
+                        <a:rPr lang="en-US" sz="1200" i="0" dirty="0">
                           <a:hlinkClick r:id="rId4"/>
                         </a:rPr>
                         <a:t>-</a:t>
                       </a:r>
                       <a:r>
-                        <a:rPr lang="en-US" sz="1200" i="0" dirty="0" err="1" smtClean="0">
+                        <a:rPr lang="en-US" sz="1200" i="0" dirty="0" err="1">
                           <a:hlinkClick r:id="rId4"/>
                         </a:rPr>
                         <a:t>pr</a:t>
                       </a:r>
                       <a:r>
-                        <a:rPr lang="en-US" sz="1200" i="0" dirty="0" smtClean="0"/>
+                        <a:rPr lang="en-US" sz="1200" i="0" dirty="0"/>
                         <a:t>)</a:t>
                       </a:r>
                       <a:r>
-                        <a:rPr lang="en-US" sz="1200" i="0" baseline="0" dirty="0" smtClean="0"/>
+                        <a:rPr lang="en-US" sz="1200" i="0" baseline="0" dirty="0"/>
                         <a:t> for contributors inside of Microsoft.</a:t>
                       </a:r>
                       <a:endParaRPr lang="en-US" sz="1200" dirty="0"/>
@@ -8068,87 +8620,61 @@
                         <a:defRPr/>
                       </a:pPr>
                       <a:r>
-                        <a:rPr lang="en-US" sz="1200" dirty="0" smtClean="0"/>
-                        <a:t>Your personal copy </a:t>
+                        <a:rPr lang="en-US" sz="1200" dirty="0"/>
+                        <a:t>Your personal copy of a repository in GitHub; for instance,</a:t>
                       </a:r>
                       <a:r>
-                        <a:rPr lang="en-US" sz="1200" dirty="0"/>
-                        <a:t>of </a:t>
-                      </a:r>
-                      <a:r>
-                        <a:rPr lang="en-US" sz="1200" dirty="0" smtClean="0"/>
-                        <a:t>a </a:t>
-                      </a:r>
-                      <a:r>
-                        <a:rPr lang="en-US" sz="1200" dirty="0"/>
-                        <a:t>repository in </a:t>
-                      </a:r>
-                      <a:r>
-                        <a:rPr lang="en-US" sz="1200" dirty="0" smtClean="0"/>
-                        <a:t>GitHub; for instance,</a:t>
-                      </a:r>
-                      <a:r>
-                        <a:rPr lang="en-US" sz="1200" baseline="0" dirty="0" smtClean="0"/>
+                        <a:rPr lang="en-US" sz="1200" baseline="0" dirty="0"/>
                         <a:t> the Azure-</a:t>
                       </a:r>
                       <a:r>
-                        <a:rPr lang="en-US" sz="1200" baseline="0" dirty="0" err="1" smtClean="0"/>
+                        <a:rPr lang="en-US" sz="1200" baseline="0" dirty="0" err="1"/>
                         <a:t>RMSDocs</a:t>
                       </a:r>
                       <a:r>
-                        <a:rPr lang="en-US" sz="1200" baseline="0" dirty="0" smtClean="0"/>
+                        <a:rPr lang="en-US" sz="1200" baseline="0" dirty="0"/>
                         <a:t>-</a:t>
                       </a:r>
                       <a:r>
-                        <a:rPr lang="en-US" sz="1200" baseline="0" dirty="0" err="1" smtClean="0"/>
+                        <a:rPr lang="en-US" sz="1200" baseline="0" dirty="0" err="1"/>
                         <a:t>pr</a:t>
                       </a:r>
                       <a:r>
-                        <a:rPr lang="en-US" sz="1200" baseline="0" dirty="0" smtClean="0"/>
+                        <a:rPr lang="en-US" sz="1200" baseline="0" dirty="0"/>
                         <a:t> fork for github user “</a:t>
                       </a:r>
                       <a:r>
-                        <a:rPr lang="en-US" sz="1200" baseline="0" dirty="0" err="1" smtClean="0"/>
+                        <a:rPr lang="en-US" sz="1200" baseline="0" dirty="0" err="1"/>
                         <a:t>msmbaldwin</a:t>
                       </a:r>
                       <a:r>
-                        <a:rPr lang="en-US" sz="1200" baseline="0" dirty="0" smtClean="0"/>
+                        <a:rPr lang="en-US" sz="1200" baseline="0" dirty="0"/>
                         <a:t>” would be found at </a:t>
                       </a:r>
                       <a:r>
-                        <a:rPr lang="en-US" sz="1200" dirty="0" smtClean="0">
+                        <a:rPr lang="en-US" sz="1200" dirty="0">
                           <a:hlinkClick r:id="rId5"/>
                         </a:rPr>
-                        <a:t>https</a:t>
+                        <a:t>https://github.com/</a:t>
                       </a:r>
                       <a:r>
-                        <a:rPr lang="en-US" sz="1200" dirty="0" smtClean="0">
-                          <a:hlinkClick r:id="rId5"/>
-                        </a:rPr>
-                        <a:t>://github.com/</a:t>
-                      </a:r>
-                      <a:r>
-                        <a:rPr lang="en-US" sz="1200" b="1" dirty="0" smtClean="0">
+                        <a:rPr lang="en-US" sz="1200" b="1" dirty="0">
                           <a:hlinkClick r:id="rId5"/>
                         </a:rPr>
                         <a:t>msmbaldwin</a:t>
                       </a:r>
                       <a:r>
-                        <a:rPr lang="en-US" sz="1200" dirty="0" smtClean="0">
+                        <a:rPr lang="en-US" sz="1200" dirty="0">
                           <a:hlinkClick r:id="rId5"/>
                         </a:rPr>
                         <a:t>/Azure-RMSDocs-pr</a:t>
                       </a:r>
                       <a:r>
-                        <a:rPr lang="en-US" sz="1200" dirty="0" smtClean="0"/>
-                        <a:t>. </a:t>
+                        <a:rPr lang="en-US" sz="1200" dirty="0"/>
+                        <a:t>. A</a:t>
                       </a:r>
                       <a:r>
-                        <a:rPr lang="en-US" sz="1200" dirty="0" smtClean="0"/>
-                        <a:t>A</a:t>
-                      </a:r>
-                      <a:r>
-                        <a:rPr lang="en-US" sz="1200" baseline="0" dirty="0" smtClean="0"/>
+                        <a:rPr lang="en-US" sz="1200" baseline="0" dirty="0"/>
                         <a:t> user has full permission to his fork and restricted permissions for the main repo, which allows </a:t>
                       </a:r>
                       <a:endParaRPr lang="en-US" sz="1200" dirty="0"/>
@@ -8203,10 +8729,9 @@
                     <a:lstStyle/>
                     <a:p>
                       <a:r>
-                        <a:rPr lang="en-US" sz="1200" b="1" dirty="0" smtClean="0"/>
+                        <a:rPr lang="en-US" sz="1200" b="1" dirty="0"/>
                         <a:t>“origin”</a:t>
                       </a:r>
-                      <a:endParaRPr lang="en-US" sz="1200" b="1" dirty="0"/>
                     </a:p>
                   </a:txBody>
                   <a:tcPr/>
@@ -8217,82 +8742,81 @@
                     <a:lstStyle/>
                     <a:p>
                       <a:r>
-                        <a:rPr lang="en-US" sz="1200" dirty="0" smtClean="0"/>
+                        <a:rPr lang="en-US" sz="1200" dirty="0"/>
                         <a:t>An alias set to the Github source of a clone. If</a:t>
                       </a:r>
                       <a:r>
-                        <a:rPr lang="en-US" sz="1200" baseline="0" dirty="0" smtClean="0"/>
+                        <a:rPr lang="en-US" sz="1200" baseline="0" dirty="0"/>
                         <a:t> github user </a:t>
                       </a:r>
                       <a:r>
-                        <a:rPr lang="en-US" sz="1200" baseline="0" dirty="0" err="1" smtClean="0"/>
+                        <a:rPr lang="en-US" sz="1200" baseline="0" dirty="0" err="1"/>
                         <a:t>msmbaldwin</a:t>
                       </a:r>
                       <a:r>
-                        <a:rPr lang="en-US" sz="1200" baseline="0" dirty="0" smtClean="0"/>
+                        <a:rPr lang="en-US" sz="1200" baseline="0" dirty="0"/>
                         <a:t> cloned his fork of </a:t>
                       </a:r>
                       <a:r>
-                        <a:rPr lang="en-US" sz="1200" dirty="0" smtClean="0">
+                        <a:rPr lang="en-US" sz="1200" dirty="0">
                           <a:hlinkClick r:id="rId5"/>
                         </a:rPr>
                         <a:t>Azure-</a:t>
                       </a:r>
                       <a:r>
-                        <a:rPr lang="en-US" sz="1200" dirty="0" err="1" smtClean="0">
+                        <a:rPr lang="en-US" sz="1200" dirty="0" err="1">
                           <a:hlinkClick r:id="rId5"/>
                         </a:rPr>
                         <a:t>RMSDocs</a:t>
                       </a:r>
                       <a:r>
-                        <a:rPr lang="en-US" sz="1200" dirty="0" smtClean="0">
+                        <a:rPr lang="en-US" sz="1200" dirty="0">
                           <a:hlinkClick r:id="rId5"/>
                         </a:rPr>
                         <a:t>-</a:t>
                       </a:r>
                       <a:r>
-                        <a:rPr lang="en-US" sz="1200" dirty="0" err="1" smtClean="0">
+                        <a:rPr lang="en-US" sz="1200" dirty="0" err="1">
                           <a:hlinkClick r:id="rId5"/>
                         </a:rPr>
                         <a:t>pr</a:t>
                       </a:r>
                       <a:r>
-                        <a:rPr lang="en-US" sz="1200" dirty="0" smtClean="0"/>
+                        <a:rPr lang="en-US" sz="1200" dirty="0"/>
                         <a:t>, “origin” would </a:t>
                       </a:r>
                       <a:r>
-                        <a:rPr lang="en-US" sz="1200" smtClean="0"/>
+                        <a:rPr lang="en-US" sz="1200"/>
                         <a:t>be set to </a:t>
                       </a:r>
                       <a:r>
-                        <a:rPr lang="en-US" sz="1200" smtClean="0">
+                        <a:rPr lang="en-US" sz="1200">
                           <a:hlinkClick r:id="rId5"/>
                         </a:rPr>
                         <a:t>https</a:t>
                       </a:r>
                       <a:r>
-                        <a:rPr lang="en-US" sz="1200" dirty="0" smtClean="0">
+                        <a:rPr lang="en-US" sz="1200" dirty="0">
                           <a:hlinkClick r:id="rId5"/>
                         </a:rPr>
                         <a:t>://github.com/</a:t>
                       </a:r>
                       <a:r>
-                        <a:rPr lang="en-US" sz="1200" b="1" dirty="0" smtClean="0">
+                        <a:rPr lang="en-US" sz="1200" b="1" dirty="0">
                           <a:hlinkClick r:id="rId5"/>
                         </a:rPr>
                         <a:t>msmbaldwin</a:t>
                       </a:r>
                       <a:r>
-                        <a:rPr lang="en-US" sz="1200" dirty="0" smtClean="0">
+                        <a:rPr lang="en-US" sz="1200" dirty="0">
                           <a:hlinkClick r:id="rId5"/>
                         </a:rPr>
                         <a:t>/Azure-RMSDocs-pr</a:t>
                       </a:r>
                       <a:r>
-                        <a:rPr lang="en-US" sz="1200" dirty="0" smtClean="0"/>
+                        <a:rPr lang="en-US" sz="1200" dirty="0"/>
                         <a:t>. </a:t>
                       </a:r>
-                      <a:endParaRPr lang="en-US" sz="1200" dirty="0"/>
                     </a:p>
                   </a:txBody>
                   <a:tcPr/>
@@ -8310,10 +8834,9 @@
                     <a:lstStyle/>
                     <a:p>
                       <a:r>
-                        <a:rPr lang="en-US" sz="1200" b="1" dirty="0" smtClean="0"/>
+                        <a:rPr lang="en-US" sz="1200" b="1" dirty="0"/>
                         <a:t>“upstream”</a:t>
                       </a:r>
-                      <a:endParaRPr lang="en-US" sz="1200" b="1" dirty="0"/>
                     </a:p>
                   </a:txBody>
                   <a:tcPr/>
@@ -8324,80 +8847,79 @@
                     <a:lstStyle/>
                     <a:p>
                       <a:r>
-                        <a:rPr lang="en-US" sz="1200" dirty="0" smtClean="0"/>
+                        <a:rPr lang="en-US" sz="1200" dirty="0"/>
                         <a:t>An alias set to the original repo from which the fork</a:t>
                       </a:r>
                       <a:r>
-                        <a:rPr lang="en-US" sz="1200" baseline="0" dirty="0" smtClean="0"/>
+                        <a:rPr lang="en-US" sz="1200" baseline="0" dirty="0"/>
                         <a:t> (and clone) were created. </a:t>
                       </a:r>
                       <a:r>
-                        <a:rPr lang="en-US" sz="1200" dirty="0" smtClean="0"/>
+                        <a:rPr lang="en-US" sz="1200" dirty="0"/>
                         <a:t>If</a:t>
                       </a:r>
                       <a:r>
-                        <a:rPr lang="en-US" sz="1200" baseline="0" dirty="0" smtClean="0"/>
+                        <a:rPr lang="en-US" sz="1200" baseline="0" dirty="0"/>
                         <a:t> github user </a:t>
                       </a:r>
                       <a:r>
-                        <a:rPr lang="en-US" sz="1200" baseline="0" dirty="0" err="1" smtClean="0"/>
+                        <a:rPr lang="en-US" sz="1200" baseline="0" dirty="0" err="1"/>
                         <a:t>msmbaldwin</a:t>
                       </a:r>
                       <a:r>
-                        <a:rPr lang="en-US" sz="1200" baseline="0" dirty="0" smtClean="0"/>
+                        <a:rPr lang="en-US" sz="1200" baseline="0" dirty="0"/>
                         <a:t> cloned his fork of </a:t>
                       </a:r>
                       <a:r>
-                        <a:rPr lang="en-US" sz="1200" dirty="0" smtClean="0">
+                        <a:rPr lang="en-US" sz="1200" dirty="0">
                           <a:hlinkClick r:id="rId5"/>
                         </a:rPr>
                         <a:t>Azure-</a:t>
                       </a:r>
                       <a:r>
-                        <a:rPr lang="en-US" sz="1200" dirty="0" err="1" smtClean="0">
+                        <a:rPr lang="en-US" sz="1200" dirty="0" err="1">
                           <a:hlinkClick r:id="rId5"/>
                         </a:rPr>
                         <a:t>RMSDocs</a:t>
                       </a:r>
                       <a:r>
-                        <a:rPr lang="en-US" sz="1200" dirty="0" smtClean="0">
+                        <a:rPr lang="en-US" sz="1200" dirty="0">
                           <a:hlinkClick r:id="rId5"/>
                         </a:rPr>
                         <a:t>-</a:t>
                       </a:r>
                       <a:r>
-                        <a:rPr lang="en-US" sz="1200" dirty="0" err="1" smtClean="0">
+                        <a:rPr lang="en-US" sz="1200" dirty="0" err="1">
                           <a:hlinkClick r:id="rId5"/>
                         </a:rPr>
                         <a:t>pr</a:t>
                       </a:r>
                       <a:r>
-                        <a:rPr lang="en-US" sz="1200" baseline="0" dirty="0" smtClean="0"/>
+                        <a:rPr lang="en-US" sz="1200" baseline="0" dirty="0"/>
                         <a:t>, “upstream” would be set to </a:t>
                       </a:r>
                       <a:r>
-                        <a:rPr lang="en-US" sz="1200" dirty="0" smtClean="0">
+                        <a:rPr lang="en-US" sz="1200" dirty="0">
                           <a:hlinkClick r:id="rId4"/>
                         </a:rPr>
                         <a:t>https://github.com/</a:t>
                       </a:r>
                       <a:r>
-                        <a:rPr lang="en-US" sz="1200" b="1" dirty="0" smtClean="0">
+                        <a:rPr lang="en-US" sz="1200" b="1" dirty="0">
                           <a:hlinkClick r:id="rId4"/>
                         </a:rPr>
                         <a:t>Microsoft</a:t>
                       </a:r>
                       <a:r>
-                        <a:rPr lang="en-US" sz="1200" dirty="0" smtClean="0">
+                        <a:rPr lang="en-US" sz="1200" dirty="0">
                           <a:hlinkClick r:id="rId4"/>
                         </a:rPr>
                         <a:t>/Azure-RMSDocs-pr</a:t>
                       </a:r>
                       <a:r>
-                        <a:rPr lang="en-US" sz="1200" dirty="0" smtClean="0"/>
+                        <a:rPr lang="en-US" sz="1200" dirty="0"/>
                         <a:t>.</a:t>
                       </a:r>
-                      <a:endParaRPr lang="en-US" sz="1200" dirty="0"/>
                     </a:p>
                   </a:txBody>
                   <a:tcPr/>
@@ -8446,11 +8968,11 @@
                         <a:defRPr/>
                       </a:pPr>
                       <a:r>
-                        <a:rPr lang="en-US" sz="1200" dirty="0" smtClean="0"/>
+                        <a:rPr lang="en-US" sz="1200" dirty="0"/>
                         <a:t>A working version of a repository, allowing you to make changes without modifying the main “master” branch. You will typically work</a:t>
                       </a:r>
                       <a:r>
-                        <a:rPr lang="en-US" sz="1200" baseline="0" dirty="0" smtClean="0"/>
+                        <a:rPr lang="en-US" sz="1200" baseline="0" dirty="0"/>
                         <a:t> in a branch of your clone of a fork</a:t>
                       </a:r>
                       <a:endParaRPr lang="en-US" sz="1200" dirty="0"/>
@@ -8471,10 +8993,9 @@
                     <a:lstStyle/>
                     <a:p>
                       <a:r>
-                        <a:rPr lang="en-US" sz="1200" b="1" dirty="0" smtClean="0"/>
+                        <a:rPr lang="en-US" sz="1200" b="1" dirty="0"/>
                         <a:t>merge</a:t>
                       </a:r>
-                      <a:endParaRPr lang="en-US" sz="1200" b="1" dirty="0"/>
                     </a:p>
                   </a:txBody>
                   <a:tcPr/>
@@ -8502,11 +9023,11 @@
                         <a:defRPr/>
                       </a:pPr>
                       <a:r>
-                        <a:rPr lang="en-US" sz="1200" dirty="0" smtClean="0"/>
+                        <a:rPr lang="en-US" sz="1200" dirty="0"/>
                         <a:t>To integrate the changes made in one branch into another branch.</a:t>
                       </a:r>
                       <a:r>
-                        <a:rPr lang="en-US" sz="1200" baseline="0" dirty="0" smtClean="0"/>
+                        <a:rPr lang="en-US" sz="1200" baseline="0" dirty="0"/>
                         <a:t> After making changes in your working branch, for instance, you will use a “pull request” (see below) to ask that they be merged into the master branch of the original repo. Two or more sets of changes that modify the same content trigger a “merge conflict”, which much be resolved.</a:t>
                       </a:r>
                       <a:endParaRPr lang="en-US" sz="1200" dirty="0"/>
@@ -8562,11 +9083,11 @@
                         <a:defRPr/>
                       </a:pPr>
                       <a:r>
-                        <a:rPr lang="en-US" sz="1200" dirty="0" smtClean="0"/>
+                        <a:rPr lang="en-US" sz="1200" dirty="0"/>
                         <a:t>The mechanism</a:t>
                       </a:r>
                       <a:r>
-                        <a:rPr lang="en-US" sz="1200" baseline="0" dirty="0" smtClean="0"/>
+                        <a:rPr lang="en-US" sz="1200" baseline="0" dirty="0"/>
                         <a:t> by which you “request” that a branch (typically the master branch of the original repo) “pull” in the changes you made in your working branch. If a PR is accepted, the changes will be merged.</a:t>
                       </a:r>
                       <a:endParaRPr lang="en-US" sz="1200" dirty="0"/>
@@ -8607,42 +9128,27 @@
           <a:lstStyle/>
           <a:p>
             <a:r>
-              <a:rPr lang="en-US" dirty="0" smtClean="0"/>
+              <a:rPr lang="en-US" dirty="0"/>
               <a:t>See more </a:t>
             </a:r>
             <a:r>
-              <a:rPr lang="en-US" dirty="0" err="1" smtClean="0"/>
+              <a:rPr lang="en-US" dirty="0" err="1"/>
               <a:t>git</a:t>
             </a:r>
             <a:r>
-              <a:rPr lang="en-US" dirty="0" smtClean="0"/>
-              <a:t> and github terminology </a:t>
-            </a:r>
-            <a:r>
               <a:rPr lang="en-US" dirty="0"/>
-              <a:t>at </a:t>
-            </a:r>
-            <a:r>
-              <a:rPr lang="en-US" dirty="0" smtClean="0"/>
-              <a:t>the </a:t>
-            </a:r>
-            <a:r>
-              <a:rPr lang="en-US" dirty="0" smtClean="0">
+              <a:t> and github terminology at the </a:t>
+            </a:r>
+            <a:r>
+              <a:rPr lang="en-US" dirty="0">
                 <a:hlinkClick r:id="rId6"/>
               </a:rPr>
-              <a:t>Github</a:t>
-            </a:r>
-            <a:r>
-              <a:rPr lang="en-US" dirty="0" smtClean="0">
-                <a:hlinkClick r:id="rId6"/>
-              </a:rPr>
-              <a:t> Glossary</a:t>
-            </a:r>
-            <a:r>
-              <a:rPr lang="en-US" dirty="0" smtClean="0"/>
+              <a:t>Github Glossary</a:t>
+            </a:r>
+            <a:r>
+              <a:rPr lang="en-US" dirty="0"/>
               <a:t>. </a:t>
             </a:r>
-            <a:endParaRPr lang="en-US" dirty="0"/>
           </a:p>
         </p:txBody>
       </p:sp>
@@ -8659,7 +9165,7 @@
 </p:sld>
 </file>
 
-<file path=ppt/slides/slide3.xml><?xml version="1.0" encoding="utf-8"?>
+<file path=ppt/slides/slide4.xml><?xml version="1.0" encoding="utf-8"?>
 <p:sld xmlns:a="http://schemas.openxmlformats.org/drawingml/2006/main" xmlns:r="http://schemas.openxmlformats.org/officeDocument/2006/relationships" xmlns:p="http://schemas.openxmlformats.org/presentationml/2006/main">
   <p:cSld>
     <p:spTree>
@@ -8698,7 +9204,7 @@
           <a:p>
             <a:fld id="{17894036-FA33-48B5-BBDE-1535D6213033}" type="slidenum">
               <a:rPr lang="en-US" smtClean="0"/>
-              <a:t>3</a:t>
+              <a:t>4</a:t>
             </a:fld>
             <a:endParaRPr lang="en-US"/>
           </a:p>
@@ -8741,10 +9247,9 @@
           <a:p>
             <a:pPr algn="ctr"/>
             <a:r>
-              <a:rPr lang="en-US" dirty="0" smtClean="0"/>
+              <a:rPr lang="en-US" dirty="0"/>
               <a:t>OPS</a:t>
             </a:r>
-            <a:endParaRPr lang="en-US" dirty="0"/>
           </a:p>
         </p:txBody>
       </p:sp>
@@ -8962,22 +9467,14 @@
             </a:br>
             <a:r>
               <a:rPr lang="en-US" dirty="0"/>
-              <a:t> local clone of </a:t>
-            </a:r>
-            <a:r>
-              <a:rPr lang="en-US" dirty="0" smtClean="0"/>
-              <a:t>the private</a:t>
+              <a:t> local clone of the private</a:t>
             </a:r>
             <a:br>
-              <a:rPr lang="en-US" dirty="0" smtClean="0"/>
+              <a:rPr lang="en-US" dirty="0"/>
             </a:br>
             <a:r>
-              <a:rPr lang="en-US" dirty="0" smtClean="0"/>
-              <a:t> GitHub </a:t>
-            </a:r>
-            <a:r>
               <a:rPr lang="en-US" dirty="0"/>
-              <a:t>repository</a:t>
+              <a:t> GitHub repository</a:t>
             </a:r>
           </a:p>
         </p:txBody>
@@ -9095,13 +9592,8 @@
           <a:p>
             <a:r>
               <a:rPr lang="en-US" sz="1100" b="1" dirty="0"/>
-              <a:t>https://github.com/&lt;account</a:t>
-            </a:r>
-            <a:r>
-              <a:rPr lang="en-US" sz="1100" b="1" dirty="0" smtClean="0"/>
-              <a:t>&gt;/Azure-RMSDocs-pr</a:t>
-            </a:r>
-            <a:endParaRPr lang="en-US" sz="1100" b="1" dirty="0"/>
+              <a:t>https://github.com/&lt;account&gt;/Azure-RMSDocs-pr</a:t>
+            </a:r>
           </a:p>
         </p:txBody>
       </p:sp>
@@ -9383,26 +9875,25 @@
           <a:lstStyle/>
           <a:p>
             <a:r>
-              <a:rPr lang="en-US" dirty="0" smtClean="0"/>
+              <a:rPr lang="en-US" dirty="0"/>
               <a:t>Azure-</a:t>
             </a:r>
             <a:r>
-              <a:rPr lang="en-US" dirty="0" err="1" smtClean="0"/>
+              <a:rPr lang="en-US" dirty="0" err="1"/>
               <a:t>RMSDoc</a:t>
             </a:r>
             <a:r>
-              <a:rPr lang="en-US" dirty="0" smtClean="0"/>
+              <a:rPr lang="en-US" dirty="0"/>
               <a:t>-</a:t>
             </a:r>
             <a:r>
-              <a:rPr lang="en-US" dirty="0" err="1" smtClean="0"/>
+              <a:rPr lang="en-US" dirty="0" err="1"/>
               <a:t>pr</a:t>
             </a:r>
             <a:r>
-              <a:rPr lang="en-US" dirty="0" smtClean="0"/>
+              <a:rPr lang="en-US" dirty="0"/>
               <a:t>/master</a:t>
             </a:r>
-            <a:endParaRPr lang="en-US" dirty="0"/>
           </a:p>
         </p:txBody>
       </p:sp>
@@ -9677,13 +10168,7 @@
               <a:rPr lang="en-US" sz="1400" dirty="0">
                 <a:hlinkClick r:id="rId6"/>
               </a:rPr>
-              <a:t>https</a:t>
-            </a:r>
-            <a:r>
-              <a:rPr lang="en-US" sz="1400" dirty="0" smtClean="0">
-                <a:hlinkClick r:id="rId6"/>
-              </a:rPr>
-              <a:t>://docs.microsoft.com/</a:t>
+              <a:t>https://docs.microsoft.com/</a:t>
             </a:r>
             <a:endParaRPr lang="en-US" sz="1400" dirty="0"/>
           </a:p>
@@ -10025,7 +10510,7 @@
 </p:sld>
 </file>
 
-<file path=ppt/slides/slide4.xml><?xml version="1.0" encoding="utf-8"?>
+<file path=ppt/slides/slide5.xml><?xml version="1.0" encoding="utf-8"?>
 <p:sld xmlns:a="http://schemas.openxmlformats.org/drawingml/2006/main" xmlns:r="http://schemas.openxmlformats.org/officeDocument/2006/relationships" xmlns:p="http://schemas.openxmlformats.org/presentationml/2006/main">
   <p:cSld>
     <p:spTree>
@@ -10427,7 +10912,7 @@
           <a:p>
             <a:fld id="{17894036-FA33-48B5-BBDE-1535D6213033}" type="slidenum">
               <a:rPr lang="en-US" smtClean="0"/>
-              <a:t>4</a:t>
+              <a:t>5</a:t>
             </a:fld>
             <a:endParaRPr lang="en-US" dirty="0"/>
           </a:p>
@@ -10544,19 +11029,19 @@
           <a:lstStyle/>
           <a:p>
             <a:r>
-              <a:rPr lang="en-US" dirty="0" smtClean="0"/>
+              <a:rPr lang="en-US" dirty="0"/>
               <a:t>Microsoft/Azure-</a:t>
             </a:r>
             <a:r>
-              <a:rPr lang="en-US" dirty="0" err="1" smtClean="0"/>
+              <a:rPr lang="en-US" dirty="0" err="1"/>
               <a:t>RMSDocs</a:t>
             </a:r>
             <a:r>
-              <a:rPr lang="en-US" dirty="0" smtClean="0"/>
+              <a:rPr lang="en-US" dirty="0"/>
               <a:t>-</a:t>
             </a:r>
             <a:r>
-              <a:rPr lang="en-US" dirty="0" err="1" smtClean="0"/>
+              <a:rPr lang="en-US" dirty="0" err="1"/>
               <a:t>pr</a:t>
             </a:r>
             <a:endParaRPr lang="en-US" dirty="0"/>
@@ -11185,7 +11670,7 @@
 </p:sld>
 </file>
 
-<file path=ppt/slides/slide5.xml><?xml version="1.0" encoding="utf-8"?>
+<file path=ppt/slides/slide6.xml><?xml version="1.0" encoding="utf-8"?>
 <p:sld xmlns:a="http://schemas.openxmlformats.org/drawingml/2006/main" xmlns:r="http://schemas.openxmlformats.org/officeDocument/2006/relationships" xmlns:p="http://schemas.openxmlformats.org/presentationml/2006/main">
   <p:cSld>
     <p:spTree>
@@ -11275,18 +11760,13 @@
           <a:lstStyle/>
           <a:p>
             <a:r>
-              <a:rPr lang="en-US" sz="1400" dirty="0" smtClean="0">
+              <a:rPr lang="en-US" sz="1400" dirty="0">
                 <a:solidFill>
                   <a:schemeClr val="tx1"/>
                 </a:solidFill>
               </a:rPr>
               <a:t>Provides the URL to clone </a:t>
             </a:r>
-            <a:endParaRPr lang="en-US" sz="1400" dirty="0">
-              <a:solidFill>
-                <a:schemeClr val="tx1"/>
-              </a:solidFill>
-            </a:endParaRPr>
           </a:p>
         </p:txBody>
       </p:sp>
@@ -11369,20 +11849,12 @@
           <a:lstStyle/>
           <a:p>
             <a:r>
-              <a:rPr lang="en-US" sz="1400" dirty="0" smtClean="0">
-                <a:solidFill>
-                  <a:schemeClr val="tx1"/>
-                </a:solidFill>
-              </a:rPr>
-              <a:t>Tells </a:t>
-            </a:r>
-            <a:r>
               <a:rPr lang="en-US" sz="1400" dirty="0">
                 <a:solidFill>
                   <a:schemeClr val="tx1"/>
                 </a:solidFill>
               </a:rPr>
-              <a:t>you which org, repository, and fork you are looking at.</a:t>
+              <a:t>Tells you which org, repository, and fork you are looking at.</a:t>
             </a:r>
           </a:p>
         </p:txBody>
@@ -11436,20 +11908,12 @@
           <a:lstStyle/>
           <a:p>
             <a:r>
-              <a:rPr lang="en-US" sz="1400" dirty="0" smtClean="0">
-                <a:solidFill>
-                  <a:schemeClr val="tx1"/>
-                </a:solidFill>
-              </a:rPr>
-              <a:t>The </a:t>
-            </a:r>
-            <a:r>
               <a:rPr lang="en-US" sz="1400" dirty="0">
                 <a:solidFill>
                   <a:schemeClr val="tx1"/>
                 </a:solidFill>
               </a:rPr>
-              <a:t>list of branches that exist in the repository.</a:t>
+              <a:t>The list of branches that exist in the repository.</a:t>
             </a:r>
           </a:p>
         </p:txBody>
@@ -11503,20 +11967,12 @@
           <a:lstStyle/>
           <a:p>
             <a:r>
-              <a:rPr lang="en-US" sz="1400" dirty="0" smtClean="0">
-                <a:solidFill>
-                  <a:schemeClr val="tx1"/>
-                </a:solidFill>
-              </a:rPr>
-              <a:t>All </a:t>
-            </a:r>
-            <a:r>
               <a:rPr lang="en-US" sz="1400" dirty="0">
                 <a:solidFill>
                   <a:schemeClr val="tx1"/>
                 </a:solidFill>
               </a:rPr>
-              <a:t>our articles live in this folder.</a:t>
+              <a:t>All our articles live in this folder.</a:t>
             </a:r>
           </a:p>
         </p:txBody>
@@ -11538,7 +11994,7 @@
           <a:p>
             <a:fld id="{17894036-FA33-48B5-BBDE-1535D6213033}" type="slidenum">
               <a:rPr lang="en-US" smtClean="0"/>
-              <a:t>5</a:t>
+              <a:t>6</a:t>
             </a:fld>
             <a:endParaRPr lang="en-US" dirty="0"/>
           </a:p>
@@ -11593,18 +12049,13 @@
           <a:lstStyle/>
           <a:p>
             <a:r>
-              <a:rPr lang="en-US" sz="1400" dirty="0" smtClean="0">
+              <a:rPr lang="en-US" sz="1400" dirty="0">
                 <a:solidFill>
                   <a:schemeClr val="tx1"/>
                 </a:solidFill>
               </a:rPr>
               <a:t>Click here to create a new PR</a:t>
             </a:r>
-            <a:endParaRPr lang="en-US" sz="1400" dirty="0">
-              <a:solidFill>
-                <a:schemeClr val="tx1"/>
-              </a:solidFill>
-            </a:endParaRPr>
           </a:p>
         </p:txBody>
       </p:sp>
@@ -11621,7 +12072,7 @@
 </p:sld>
 </file>
 
-<file path=ppt/slides/slide6.xml><?xml version="1.0" encoding="utf-8"?>
+<file path=ppt/slides/slide7.xml><?xml version="1.0" encoding="utf-8"?>
 <p:sld xmlns:a="http://schemas.openxmlformats.org/drawingml/2006/main" xmlns:r="http://schemas.openxmlformats.org/officeDocument/2006/relationships" xmlns:p="http://schemas.openxmlformats.org/presentationml/2006/main">
   <p:cSld>
     <p:spTree>
@@ -11845,21 +12296,8 @@
                   <a:schemeClr val="tx1"/>
                 </a:solidFill>
               </a:rPr>
-              <a:t>The local working branch is listed in parentheses. The default is usually “</a:t>
-            </a:r>
-            <a:r>
-              <a:rPr lang="en-US" sz="1400" dirty="0" smtClean="0">
-                <a:solidFill>
-                  <a:schemeClr val="tx1"/>
-                </a:solidFill>
-              </a:rPr>
-              <a:t>master”, but contributors should work in their own branch.</a:t>
-            </a:r>
-            <a:endParaRPr lang="en-US" sz="1400" dirty="0">
-              <a:solidFill>
-                <a:schemeClr val="tx1"/>
-              </a:solidFill>
-            </a:endParaRPr>
+              <a:t>The local working branch is listed in parentheses. The default is usually “master”, but contributors should work in their own branch.</a:t>
+            </a:r>
           </a:p>
         </p:txBody>
       </p:sp>
@@ -11913,7 +12351,7 @@
           <a:p>
             <a:fld id="{17894036-FA33-48B5-BBDE-1535D6213033}" type="slidenum">
               <a:rPr lang="en-US" smtClean="0"/>
-              <a:t>6</a:t>
+              <a:t>7</a:t>
             </a:fld>
             <a:endParaRPr lang="en-US"/>
           </a:p>
@@ -11932,7 +12370,7 @@
 </p:sld>
 </file>
 
-<file path=ppt/slides/slide7.xml><?xml version="1.0" encoding="utf-8"?>
+<file path=ppt/slides/slide8.xml><?xml version="1.0" encoding="utf-8"?>
 <p:sld xmlns:a="http://schemas.openxmlformats.org/drawingml/2006/main" xmlns:r="http://schemas.openxmlformats.org/officeDocument/2006/relationships" xmlns:p="http://schemas.openxmlformats.org/presentationml/2006/main">
   <p:cSld>
     <p:spTree>
@@ -12057,7 +12495,7 @@
           <a:p>
             <a:fld id="{17894036-FA33-48B5-BBDE-1535D6213033}" type="slidenum">
               <a:rPr lang="en-US" smtClean="0"/>
-              <a:t>7</a:t>
+              <a:t>8</a:t>
             </a:fld>
             <a:endParaRPr lang="en-US"/>
           </a:p>
@@ -12396,239 +12834,6 @@
 </p:sld>
 </file>
 
-<file path=ppt/slides/slide8.xml><?xml version="1.0" encoding="utf-8"?>
-<p:sld xmlns:a="http://schemas.openxmlformats.org/drawingml/2006/main" xmlns:r="http://schemas.openxmlformats.org/officeDocument/2006/relationships" xmlns:p="http://schemas.openxmlformats.org/presentationml/2006/main">
-  <p:cSld>
-    <p:spTree>
-      <p:nvGrpSpPr>
-        <p:cNvPr id="1" name=""/>
-        <p:cNvGrpSpPr/>
-        <p:nvPr/>
-      </p:nvGrpSpPr>
-      <p:grpSpPr>
-        <a:xfrm>
-          <a:off x="0" y="0"/>
-          <a:ext cx="0" cy="0"/>
-          <a:chOff x="0" y="0"/>
-          <a:chExt cx="0" cy="0"/>
-        </a:xfrm>
-      </p:grpSpPr>
-      <p:sp>
-        <p:nvSpPr>
-          <p:cNvPr id="2" name="Title 1"/>
-          <p:cNvSpPr>
-            <a:spLocks noGrp="1"/>
-          </p:cNvSpPr>
-          <p:nvPr>
-            <p:ph type="title"/>
-          </p:nvPr>
-        </p:nvSpPr>
-        <p:spPr/>
-        <p:txBody>
-          <a:bodyPr>
-            <a:normAutofit/>
-          </a:bodyPr>
-          <a:lstStyle/>
-          <a:p>
-            <a:r>
-              <a:rPr lang="en-US" sz="3600" dirty="0"/>
-              <a:t>Working with articles using Git commands and a markdown editor</a:t>
-            </a:r>
-          </a:p>
-        </p:txBody>
-      </p:sp>
-      <p:sp>
-        <p:nvSpPr>
-          <p:cNvPr id="3" name="Content Placeholder 2"/>
-          <p:cNvSpPr>
-            <a:spLocks noGrp="1"/>
-          </p:cNvSpPr>
-          <p:nvPr>
-            <p:ph idx="1"/>
-          </p:nvPr>
-        </p:nvSpPr>
-        <p:spPr>
-          <a:xfrm>
-            <a:off x="838200" y="3329126"/>
-            <a:ext cx="5279744" cy="3027224"/>
-          </a:xfrm>
-        </p:spPr>
-        <p:txBody>
-          <a:bodyPr>
-            <a:normAutofit fontScale="92500" lnSpcReduction="10000"/>
-          </a:bodyPr>
-          <a:lstStyle/>
-          <a:p>
-            <a:pPr marL="0" indent="0">
-              <a:buNone/>
-            </a:pPr>
-            <a:r>
-              <a:rPr lang="en-US" sz="2000" b="1" dirty="0" err="1"/>
-              <a:t>git</a:t>
-            </a:r>
-            <a:r>
-              <a:rPr lang="en-US" sz="2000" b="1" dirty="0"/>
-              <a:t> pull upstream master</a:t>
-            </a:r>
-          </a:p>
-          <a:p>
-            <a:pPr marL="0" indent="0">
-              <a:buNone/>
-            </a:pPr>
-            <a:r>
-              <a:rPr lang="en-US" sz="2000" b="1" dirty="0" err="1"/>
-              <a:t>git</a:t>
-            </a:r>
-            <a:r>
-              <a:rPr lang="en-US" sz="2000" b="1" dirty="0"/>
-              <a:t> checkout YOURBRANCH</a:t>
-            </a:r>
-          </a:p>
-          <a:p>
-            <a:pPr marL="0" indent="0">
-              <a:buNone/>
-            </a:pPr>
-            <a:r>
-              <a:rPr lang="en-US" sz="2000" b="1" dirty="0"/>
-              <a:t>Do work</a:t>
-            </a:r>
-          </a:p>
-          <a:p>
-            <a:pPr marL="0" indent="0">
-              <a:buNone/>
-            </a:pPr>
-            <a:r>
-              <a:rPr lang="en-US" sz="2000" b="1" dirty="0" err="1"/>
-              <a:t>git</a:t>
-            </a:r>
-            <a:r>
-              <a:rPr lang="en-US" sz="2000" b="1" dirty="0"/>
-              <a:t> status</a:t>
-            </a:r>
-          </a:p>
-          <a:p>
-            <a:pPr marL="0" indent="0">
-              <a:buNone/>
-            </a:pPr>
-            <a:r>
-              <a:rPr lang="en-US" sz="2000" b="1" dirty="0" err="1"/>
-              <a:t>git</a:t>
-            </a:r>
-            <a:r>
-              <a:rPr lang="en-US" sz="2000" b="1" dirty="0"/>
-              <a:t> add --all</a:t>
-            </a:r>
-          </a:p>
-          <a:p>
-            <a:pPr marL="0" indent="0">
-              <a:buNone/>
-            </a:pPr>
-            <a:r>
-              <a:rPr lang="en-US" sz="2000" b="1" dirty="0" err="1"/>
-              <a:t>git</a:t>
-            </a:r>
-            <a:r>
-              <a:rPr lang="en-US" sz="2000" b="1" dirty="0"/>
-              <a:t> commit -m “Message that everyone will see!”</a:t>
-            </a:r>
-          </a:p>
-          <a:p>
-            <a:pPr marL="0" indent="0">
-              <a:buNone/>
-            </a:pPr>
-            <a:r>
-              <a:rPr lang="en-US" sz="2000" b="1" dirty="0" err="1"/>
-              <a:t>git</a:t>
-            </a:r>
-            <a:r>
-              <a:rPr lang="en-US" sz="2000" b="1" dirty="0"/>
-              <a:t> push origin YOURBRANCH</a:t>
-            </a:r>
-          </a:p>
-          <a:p>
-            <a:pPr marL="0" indent="0">
-              <a:buNone/>
-            </a:pPr>
-            <a:r>
-              <a:rPr lang="en-US" sz="2000" b="1" dirty="0"/>
-              <a:t>Go to </a:t>
-            </a:r>
-            <a:r>
-              <a:rPr lang="en-US" sz="2000" b="1" dirty="0" err="1"/>
-              <a:t>github</a:t>
-            </a:r>
-            <a:r>
-              <a:rPr lang="en-US" sz="2000" b="1" dirty="0"/>
-              <a:t> and create a PR!</a:t>
-            </a:r>
-          </a:p>
-        </p:txBody>
-      </p:sp>
-      <p:sp>
-        <p:nvSpPr>
-          <p:cNvPr id="5" name="Slide Number Placeholder 4"/>
-          <p:cNvSpPr>
-            <a:spLocks noGrp="1"/>
-          </p:cNvSpPr>
-          <p:nvPr>
-            <p:ph type="sldNum" sz="quarter" idx="12"/>
-          </p:nvPr>
-        </p:nvSpPr>
-        <p:spPr/>
-        <p:txBody>
-          <a:bodyPr/>
-          <a:lstStyle/>
-          <a:p>
-            <a:fld id="{17894036-FA33-48B5-BBDE-1535D6213033}" type="slidenum">
-              <a:rPr lang="en-US" smtClean="0"/>
-              <a:t>8</a:t>
-            </a:fld>
-            <a:endParaRPr lang="en-US"/>
-          </a:p>
-        </p:txBody>
-      </p:sp>
-      <p:sp>
-        <p:nvSpPr>
-          <p:cNvPr id="6" name="TextBox 5"/>
-          <p:cNvSpPr txBox="1"/>
-          <p:nvPr/>
-        </p:nvSpPr>
-        <p:spPr>
-          <a:xfrm>
-            <a:off x="5580535" y="3052960"/>
-            <a:ext cx="1514763" cy="523220"/>
-          </a:xfrm>
-          <a:prstGeom prst="rect">
-            <a:avLst/>
-          </a:prstGeom>
-          <a:noFill/>
-        </p:spPr>
-        <p:txBody>
-          <a:bodyPr wrap="square" rtlCol="0">
-            <a:spAutoFit/>
-          </a:bodyPr>
-          <a:lstStyle/>
-          <a:p>
-            <a:r>
-              <a:rPr lang="en-US" sz="2800" dirty="0"/>
-              <a:t>DEMO</a:t>
-            </a:r>
-          </a:p>
-        </p:txBody>
-      </p:sp>
-    </p:spTree>
-    <p:extLst>
-      <p:ext uri="{BB962C8B-B14F-4D97-AF65-F5344CB8AC3E}">
-        <p14:creationId xmlns:p14="http://schemas.microsoft.com/office/powerpoint/2010/main" val="1626027815"/>
-      </p:ext>
-    </p:extLst>
-  </p:cSld>
-  <p:clrMapOvr>
-    <a:masterClrMapping/>
-  </p:clrMapOvr>
-</p:sld>
-</file>
-
 <file path=ppt/slides/slide9.xml><?xml version="1.0" encoding="utf-8"?>
 <p:sld xmlns:a="http://schemas.openxmlformats.org/drawingml/2006/main" xmlns:r="http://schemas.openxmlformats.org/officeDocument/2006/relationships" xmlns:p="http://schemas.openxmlformats.org/presentationml/2006/main">
   <p:cSld>
@@ -12658,12 +12863,14 @@
         </p:nvSpPr>
         <p:spPr/>
         <p:txBody>
-          <a:bodyPr/>
-          <a:lstStyle/>
-          <a:p>
-            <a:r>
-              <a:rPr lang="en-US" dirty="0"/>
-              <a:t>Pull request</a:t>
+          <a:bodyPr>
+            <a:normAutofit/>
+          </a:bodyPr>
+          <a:lstStyle/>
+          <a:p>
+            <a:r>
+              <a:rPr lang="en-US" sz="3600" dirty="0"/>
+              <a:t>Working with articles using Git commands and a markdown editor</a:t>
             </a:r>
           </a:p>
         </p:txBody>
@@ -12680,61 +12887,124 @@
         </p:nvSpPr>
         <p:spPr>
           <a:xfrm>
-            <a:off x="265176" y="1825625"/>
-            <a:ext cx="3813048" cy="4351338"/>
+            <a:off x="838200" y="3329126"/>
+            <a:ext cx="5279744" cy="3027224"/>
           </a:xfrm>
         </p:spPr>
         <p:txBody>
           <a:bodyPr>
-            <a:normAutofit fontScale="85000" lnSpcReduction="20000"/>
+            <a:normAutofit fontScale="92500" lnSpcReduction="10000"/>
           </a:bodyPr>
           <a:lstStyle/>
           <a:p>
-            <a:r>
-              <a:rPr lang="en-US" dirty="0"/>
-              <a:t>You move changes from one branch to another using a pull request.</a:t>
-            </a:r>
-            <a:br>
-              <a:rPr lang="en-US" dirty="0"/>
-            </a:br>
-            <a:endParaRPr lang="en-US" dirty="0"/>
-          </a:p>
-          <a:p>
-            <a:r>
-              <a:rPr lang="en-US" dirty="0"/>
-              <a:t>All pull requests must be reviewed and accepted by a pull request acceptor.</a:t>
-            </a:r>
-            <a:br>
-              <a:rPr lang="en-US" dirty="0"/>
-            </a:br>
-            <a:endParaRPr lang="en-US" dirty="0"/>
-          </a:p>
-          <a:p>
-            <a:r>
-              <a:rPr lang="en-US" dirty="0"/>
-              <a:t>Pull requests protect the repo’s integrity.</a:t>
-            </a:r>
-            <a:br>
-              <a:rPr lang="en-US" dirty="0"/>
-            </a:br>
-            <a:endParaRPr lang="en-US" dirty="0"/>
-          </a:p>
-          <a:p>
-            <a:r>
-              <a:rPr lang="en-US" dirty="0"/>
-              <a:t>Pull requests are reviewed by a designated person on the content team. </a:t>
-            </a:r>
-            <a:r>
-              <a:rPr lang="en-US"/>
-              <a:t>Expect feedback!</a:t>
-            </a:r>
-            <a:endParaRPr lang="en-US" dirty="0"/>
-          </a:p>
-        </p:txBody>
-      </p:sp>
-      <p:sp>
-        <p:nvSpPr>
-          <p:cNvPr id="4" name="Slide Number Placeholder 3"/>
+            <a:pPr marL="0" indent="0">
+              <a:buNone/>
+            </a:pPr>
+            <a:r>
+              <a:rPr lang="en-US" sz="2000" b="1" dirty="0" err="1"/>
+              <a:t>git</a:t>
+            </a:r>
+            <a:r>
+              <a:rPr lang="en-US" sz="2000" b="1" dirty="0"/>
+              <a:t> pull upstream master</a:t>
+            </a:r>
+          </a:p>
+          <a:p>
+            <a:pPr marL="0" indent="0">
+              <a:buNone/>
+            </a:pPr>
+            <a:r>
+              <a:rPr lang="en-US" sz="2000" b="1" dirty="0" err="1"/>
+              <a:t>git</a:t>
+            </a:r>
+            <a:r>
+              <a:rPr lang="en-US" sz="2000" b="1" dirty="0"/>
+              <a:t> checkout YOURBRANCH</a:t>
+            </a:r>
+          </a:p>
+          <a:p>
+            <a:pPr marL="0" indent="0">
+              <a:buNone/>
+            </a:pPr>
+            <a:r>
+              <a:rPr lang="en-US" sz="2000" b="1" dirty="0"/>
+              <a:t>Do work</a:t>
+            </a:r>
+          </a:p>
+          <a:p>
+            <a:pPr marL="0" indent="0">
+              <a:buNone/>
+            </a:pPr>
+            <a:r>
+              <a:rPr lang="en-US" sz="2000" b="1" dirty="0" err="1"/>
+              <a:t>git</a:t>
+            </a:r>
+            <a:r>
+              <a:rPr lang="en-US" sz="2000" b="1" dirty="0"/>
+              <a:t> status</a:t>
+            </a:r>
+          </a:p>
+          <a:p>
+            <a:pPr marL="0" indent="0">
+              <a:buNone/>
+            </a:pPr>
+            <a:r>
+              <a:rPr lang="en-US" sz="2000" b="1" dirty="0" err="1"/>
+              <a:t>git</a:t>
+            </a:r>
+            <a:r>
+              <a:rPr lang="en-US" sz="2000" b="1" dirty="0"/>
+              <a:t> add --all</a:t>
+            </a:r>
+          </a:p>
+          <a:p>
+            <a:pPr marL="0" indent="0">
+              <a:buNone/>
+            </a:pPr>
+            <a:r>
+              <a:rPr lang="en-US" sz="2000" b="1" dirty="0" err="1"/>
+              <a:t>git</a:t>
+            </a:r>
+            <a:r>
+              <a:rPr lang="en-US" sz="2000" b="1" dirty="0"/>
+              <a:t> commit -m “Message that everyone will see!”</a:t>
+            </a:r>
+          </a:p>
+          <a:p>
+            <a:pPr marL="0" indent="0">
+              <a:buNone/>
+            </a:pPr>
+            <a:r>
+              <a:rPr lang="en-US" sz="2000" b="1" dirty="0" err="1"/>
+              <a:t>git</a:t>
+            </a:r>
+            <a:r>
+              <a:rPr lang="en-US" sz="2000" b="1" dirty="0"/>
+              <a:t> push origin YOURBRANCH</a:t>
+            </a:r>
+          </a:p>
+          <a:p>
+            <a:pPr marL="0" indent="0">
+              <a:buNone/>
+            </a:pPr>
+            <a:r>
+              <a:rPr lang="en-US" sz="2000" b="1" dirty="0"/>
+              <a:t>Go to </a:t>
+            </a:r>
+            <a:r>
+              <a:rPr lang="en-US" sz="2000" b="1" dirty="0" err="1"/>
+              <a:t>github</a:t>
+            </a:r>
+            <a:r>
+              <a:rPr lang="en-US" sz="2000" b="1" dirty="0"/>
+              <a:t> and create a PR!</a:t>
+            </a:r>
+          </a:p>
+        </p:txBody>
+      </p:sp>
+      <p:sp>
+        <p:nvSpPr>
+          <p:cNvPr id="5" name="Slide Number Placeholder 4"/>
           <p:cNvSpPr>
             <a:spLocks noGrp="1"/>
           </p:cNvSpPr>
@@ -12755,174 +13025,31 @@
           </a:p>
         </p:txBody>
       </p:sp>
-      <p:pic>
-        <p:nvPicPr>
-          <p:cNvPr id="2050" name="Picture 2"/>
-          <p:cNvPicPr>
-            <a:picLocks noChangeAspect="1" noChangeArrowheads="1"/>
-          </p:cNvPicPr>
+      <p:sp>
+        <p:nvSpPr>
+          <p:cNvPr id="6" name="TextBox 5"/>
+          <p:cNvSpPr txBox="1"/>
           <p:nvPr/>
-        </p:nvPicPr>
-        <p:blipFill>
-          <a:blip r:embed="rId2">
-            <a:extLst>
-              <a:ext uri="{28A0092B-C50C-407E-A947-70E740481C1C}">
-                <a14:useLocalDpi xmlns:a14="http://schemas.microsoft.com/office/drawing/2010/main" val="0"/>
-              </a:ext>
-            </a:extLst>
-          </a:blip>
-          <a:srcRect/>
-          <a:stretch>
-            <a:fillRect/>
-          </a:stretch>
-        </p:blipFill>
-        <p:spPr bwMode="auto">
-          <a:xfrm>
-            <a:off x="4620104" y="1563623"/>
-            <a:ext cx="7096408" cy="4817745"/>
+        </p:nvSpPr>
+        <p:spPr>
+          <a:xfrm>
+            <a:off x="5580535" y="3052960"/>
+            <a:ext cx="1514763" cy="523220"/>
           </a:xfrm>
           <a:prstGeom prst="rect">
             <a:avLst/>
           </a:prstGeom>
           <a:noFill/>
-          <a:ln>
-            <a:noFill/>
-          </a:ln>
-          <a:extLst>
-            <a:ext uri="{909E8E84-426E-40DD-AFC4-6F175D3DCCD1}">
-              <a14:hiddenFill xmlns:a14="http://schemas.microsoft.com/office/drawing/2010/main">
-                <a:solidFill>
-                  <a:schemeClr val="accent1"/>
-                </a:solidFill>
-              </a14:hiddenFill>
-            </a:ext>
-            <a:ext uri="{91240B29-F687-4F45-9708-019B960494DF}">
-              <a14:hiddenLine xmlns:a14="http://schemas.microsoft.com/office/drawing/2010/main" w="9525">
-                <a:solidFill>
-                  <a:schemeClr val="tx1"/>
-                </a:solidFill>
-                <a:miter lim="800000"/>
-                <a:headEnd/>
-                <a:tailEnd/>
-              </a14:hiddenLine>
-            </a:ext>
-          </a:extLst>
-        </p:spPr>
-      </p:pic>
-      <p:sp>
-        <p:nvSpPr>
-          <p:cNvPr id="7" name="Rectangular Callout 6"/>
-          <p:cNvSpPr/>
-          <p:nvPr/>
-        </p:nvSpPr>
-        <p:spPr>
-          <a:xfrm>
-            <a:off x="4150070" y="188519"/>
-            <a:ext cx="1839250" cy="1042002"/>
-          </a:xfrm>
-          <a:prstGeom prst="wedgeRectCallout">
-            <a:avLst>
-              <a:gd name="adj1" fmla="val 65427"/>
-              <a:gd name="adj2" fmla="val 172364"/>
-            </a:avLst>
-          </a:prstGeom>
-          <a:solidFill>
-            <a:srgbClr val="00B0F0"/>
-          </a:solidFill>
-          <a:ln>
-            <a:solidFill>
-              <a:schemeClr val="bg1">
-                <a:lumMod val="75000"/>
-              </a:schemeClr>
-            </a:solidFill>
-          </a:ln>
-        </p:spPr>
-        <p:style>
-          <a:lnRef idx="2">
-            <a:schemeClr val="accent1">
-              <a:shade val="50000"/>
-            </a:schemeClr>
-          </a:lnRef>
-          <a:fillRef idx="1">
-            <a:schemeClr val="accent1"/>
-          </a:fillRef>
-          <a:effectRef idx="0">
-            <a:schemeClr val="accent1"/>
-          </a:effectRef>
-          <a:fontRef idx="minor">
-            <a:schemeClr val="lt1"/>
-          </a:fontRef>
-        </p:style>
-        <p:txBody>
-          <a:bodyPr rtlCol="0" anchor="ctr"/>
-          <a:lstStyle/>
-          <a:p>
-            <a:r>
-              <a:rPr lang="en-US" sz="1200" dirty="0">
-                <a:solidFill>
-                  <a:schemeClr val="tx1"/>
-                </a:solidFill>
-              </a:rPr>
-              <a:t>On the left, you select where you want to move the changes to. Usually, it is to the upstream repo.</a:t>
-            </a:r>
-          </a:p>
-        </p:txBody>
-      </p:sp>
-      <p:sp>
-        <p:nvSpPr>
-          <p:cNvPr id="8" name="Rectangular Callout 7"/>
-          <p:cNvSpPr/>
-          <p:nvPr/>
-        </p:nvSpPr>
-        <p:spPr>
-          <a:xfrm>
-            <a:off x="8563574" y="188519"/>
-            <a:ext cx="1839250" cy="1042002"/>
-          </a:xfrm>
-          <a:prstGeom prst="wedgeRectCallout">
-            <a:avLst>
-              <a:gd name="adj1" fmla="val -35496"/>
-              <a:gd name="adj2" fmla="val 175874"/>
-            </a:avLst>
-          </a:prstGeom>
-          <a:solidFill>
-            <a:srgbClr val="00B0F0"/>
-          </a:solidFill>
-          <a:ln>
-            <a:solidFill>
-              <a:schemeClr val="bg1">
-                <a:lumMod val="75000"/>
-              </a:schemeClr>
-            </a:solidFill>
-          </a:ln>
-        </p:spPr>
-        <p:style>
-          <a:lnRef idx="2">
-            <a:schemeClr val="accent1">
-              <a:shade val="50000"/>
-            </a:schemeClr>
-          </a:lnRef>
-          <a:fillRef idx="1">
-            <a:schemeClr val="accent1"/>
-          </a:fillRef>
-          <a:effectRef idx="0">
-            <a:schemeClr val="accent1"/>
-          </a:effectRef>
-          <a:fontRef idx="minor">
-            <a:schemeClr val="lt1"/>
-          </a:fontRef>
-        </p:style>
-        <p:txBody>
-          <a:bodyPr rtlCol="0" anchor="ctr"/>
-          <a:lstStyle/>
-          <a:p>
-            <a:r>
-              <a:rPr lang="en-US" sz="1200" dirty="0">
-                <a:solidFill>
-                  <a:schemeClr val="tx1"/>
-                </a:solidFill>
-              </a:rPr>
-              <a:t>On the right, you select the source of the changes. Usually, this is your fork and a branch in your fork.</a:t>
+        </p:spPr>
+        <p:txBody>
+          <a:bodyPr wrap="square" rtlCol="0">
+            <a:spAutoFit/>
+          </a:bodyPr>
+          <a:lstStyle/>
+          <a:p>
+            <a:r>
+              <a:rPr lang="en-US" sz="2800" dirty="0"/>
+              <a:t>DEMO</a:t>
             </a:r>
           </a:p>
         </p:txBody>
@@ -12930,7 +13057,7 @@
     </p:spTree>
     <p:extLst>
       <p:ext uri="{BB962C8B-B14F-4D97-AF65-F5344CB8AC3E}">
-        <p14:creationId xmlns:p14="http://schemas.microsoft.com/office/powerpoint/2010/main" val="175369041"/>
+        <p14:creationId xmlns:p14="http://schemas.microsoft.com/office/powerpoint/2010/main" val="1626027815"/>
       </p:ext>
     </p:extLst>
   </p:cSld>
@@ -13748,21 +13875,6 @@
 </file>
 
 <file path=customXml/item1.xml><?xml version="1.0" encoding="utf-8"?>
-<p:properties xmlns:p="http://schemas.microsoft.com/office/2006/metadata/properties" xmlns:xsi="http://www.w3.org/2001/XMLSchema-instance" xmlns:pc="http://schemas.microsoft.com/office/infopath/2007/PartnerControls">
-  <documentManagement/>
-</p:properties>
-</file>
-
-<file path=customXml/item2.xml><?xml version="1.0" encoding="utf-8"?>
-<?mso-contentType ?>
-<FormTemplates xmlns="http://schemas.microsoft.com/sharepoint/v3/contenttype/forms">
-  <Display>DocumentLibraryForm</Display>
-  <Edit>DocumentLibraryForm</Edit>
-  <New>DocumentLibraryForm</New>
-</FormTemplates>
-</file>
-
-<file path=customXml/item3.xml><?xml version="1.0" encoding="utf-8"?>
 <ct:contentTypeSchema xmlns:ct="http://schemas.microsoft.com/office/2006/metadata/contentType" xmlns:ma="http://schemas.microsoft.com/office/2006/metadata/properties/metaAttributes" ct:_="" ma:_="" ma:contentTypeName="Document" ma:contentTypeID="0x0101002D8D517D403438489EB1B5FF459F45BC" ma:contentTypeVersion="8" ma:contentTypeDescription="Create a new document." ma:contentTypeScope="" ma:versionID="cc5d5d9a5225c9afe3d4d0cdec872e70">
   <xsd:schema xmlns:xsd="http://www.w3.org/2001/XMLSchema" xmlns:xs="http://www.w3.org/2001/XMLSchema" xmlns:p="http://schemas.microsoft.com/office/2006/metadata/properties" xmlns:ns2="2e11b04f-6e8d-4882-a142-63014911b215" targetNamespace="http://schemas.microsoft.com/office/2006/metadata/properties" ma:root="true" ma:fieldsID="336bede8c77ac453e9b0ba994f160122" ns2:_="">
     <xsd:import namespace="2e11b04f-6e8d-4882-a142-63014911b215"/>
@@ -13910,31 +14022,22 @@
 </ct:contentTypeSchema>
 </file>
 
-<file path=customXml/itemProps1.xml><?xml version="1.0" encoding="utf-8"?>
-<ds:datastoreItem xmlns:ds="http://schemas.openxmlformats.org/officeDocument/2006/customXml" ds:itemID="{A5F7F9F1-12BA-452E-90D7-DE79BA87BD84}">
-  <ds:schemaRefs>
-    <ds:schemaRef ds:uri="http://schemas.microsoft.com/office/2006/documentManagement/types"/>
-    <ds:schemaRef ds:uri="http://purl.org/dc/elements/1.1/"/>
-    <ds:schemaRef ds:uri="http://schemas.microsoft.com/office/infopath/2007/PartnerControls"/>
-    <ds:schemaRef ds:uri="http://schemas.openxmlformats.org/package/2006/metadata/core-properties"/>
-    <ds:schemaRef ds:uri="2e11b04f-6e8d-4882-a142-63014911b215"/>
-    <ds:schemaRef ds:uri="http://purl.org/dc/terms/"/>
-    <ds:schemaRef ds:uri="http://schemas.microsoft.com/office/2006/metadata/properties"/>
-    <ds:schemaRef ds:uri="http://www.w3.org/XML/1998/namespace"/>
-    <ds:schemaRef ds:uri="http://purl.org/dc/dcmitype/"/>
-  </ds:schemaRefs>
-</ds:datastoreItem>
+<file path=customXml/item2.xml><?xml version="1.0" encoding="utf-8"?>
+<?mso-contentType ?>
+<FormTemplates xmlns="http://schemas.microsoft.com/sharepoint/v3/contenttype/forms">
+  <Display>DocumentLibraryForm</Display>
+  <Edit>DocumentLibraryForm</Edit>
+  <New>DocumentLibraryForm</New>
+</FormTemplates>
 </file>
 
-<file path=customXml/itemProps2.xml><?xml version="1.0" encoding="utf-8"?>
-<ds:datastoreItem xmlns:ds="http://schemas.openxmlformats.org/officeDocument/2006/customXml" ds:itemID="{5714A384-EA5A-49BA-A851-7DD4B651B8C6}">
-  <ds:schemaRefs>
-    <ds:schemaRef ds:uri="http://schemas.microsoft.com/sharepoint/v3/contenttype/forms"/>
-  </ds:schemaRefs>
-</ds:datastoreItem>
+<file path=customXml/item3.xml><?xml version="1.0" encoding="utf-8"?>
+<p:properties xmlns:p="http://schemas.microsoft.com/office/2006/metadata/properties" xmlns:xsi="http://www.w3.org/2001/XMLSchema-instance" xmlns:pc="http://schemas.microsoft.com/office/infopath/2007/PartnerControls">
+  <documentManagement/>
+</p:properties>
 </file>
 
-<file path=customXml/itemProps3.xml><?xml version="1.0" encoding="utf-8"?>
+<file path=customXml/itemProps1.xml><?xml version="1.0" encoding="utf-8"?>
 <ds:datastoreItem xmlns:ds="http://schemas.openxmlformats.org/officeDocument/2006/customXml" ds:itemID="{4445427E-74DF-425E-82DE-958D8AF50D30}">
   <ds:schemaRefs>
     <ds:schemaRef ds:uri="http://schemas.microsoft.com/office/2006/metadata/contentType"/>
@@ -13950,4 +14053,28 @@
     <ds:schemaRef ds:uri="http://schemas.microsoft.com/internal/obd"/>
   </ds:schemaRefs>
 </ds:datastoreItem>
+</file>
+
+<file path=customXml/itemProps2.xml><?xml version="1.0" encoding="utf-8"?>
+<ds:datastoreItem xmlns:ds="http://schemas.openxmlformats.org/officeDocument/2006/customXml" ds:itemID="{5714A384-EA5A-49BA-A851-7DD4B651B8C6}">
+  <ds:schemaRefs>
+    <ds:schemaRef ds:uri="http://schemas.microsoft.com/sharepoint/v3/contenttype/forms"/>
+  </ds:schemaRefs>
+</ds:datastoreItem>
+</file>
+
+<file path=customXml/itemProps3.xml><?xml version="1.0" encoding="utf-8"?>
+<ds:datastoreItem xmlns:ds="http://schemas.openxmlformats.org/officeDocument/2006/customXml" ds:itemID="{A5F7F9F1-12BA-452E-90D7-DE79BA87BD84}">
+  <ds:schemaRefs>
+    <ds:schemaRef ds:uri="http://schemas.microsoft.com/office/2006/documentManagement/types"/>
+    <ds:schemaRef ds:uri="http://purl.org/dc/elements/1.1/"/>
+    <ds:schemaRef ds:uri="http://schemas.microsoft.com/office/infopath/2007/PartnerControls"/>
+    <ds:schemaRef ds:uri="http://schemas.openxmlformats.org/package/2006/metadata/core-properties"/>
+    <ds:schemaRef ds:uri="2e11b04f-6e8d-4882-a142-63014911b215"/>
+    <ds:schemaRef ds:uri="http://purl.org/dc/terms/"/>
+    <ds:schemaRef ds:uri="http://schemas.microsoft.com/office/2006/metadata/properties"/>
+    <ds:schemaRef ds:uri="http://www.w3.org/XML/1998/namespace"/>
+    <ds:schemaRef ds:uri="http://purl.org/dc/dcmitype/"/>
+  </ds:schemaRefs>
+</ds:datastoreItem>
 </file>